--- a/Determining Influential Factors of Student Success.pptx
+++ b/Determining Influential Factors of Student Success.pptx
@@ -109,6 +109,11 @@
       </a:defRPr>
     </a:lvl9pPr>
   </p:defaultTextStyle>
+  <p:extLst>
+    <p:ext uri="{EFAFB233-063F-42B5-8137-9DF3F51BA10A}">
+      <p15:sldGuideLst xmlns:p15="http://schemas.microsoft.com/office/powerpoint/2012/main"/>
+    </p:ext>
+  </p:extLst>
 </p:presentation>
 </file>
 
@@ -2988,7 +2993,11 @@
           <a:p>
             <a:r>
               <a:rPr lang="en-US" dirty="0" smtClean="0"/>
-              <a:t>Determining Influential Factors of Student Success …something</a:t>
+              <a:t>Determining Influential Factors of Student </a:t>
+            </a:r>
+            <a:r>
+              <a:rPr lang="en-US" dirty="0" smtClean="0"/>
+              <a:t>Success in K-12 Schools</a:t>
             </a:r>
             <a:endParaRPr lang="en-US" dirty="0"/>
           </a:p>

--- a/Determining Influential Factors of Student Success.pptx
+++ b/Determining Influential Factors of Student Success.pptx
@@ -159,10 +159,9 @@
           </a:lstStyle>
           <a:p>
             <a:r>
-              <a:rPr lang="en-US" smtClean="0"/>
+              <a:rPr lang="en-US"/>
               <a:t>Click to edit Master title style</a:t>
             </a:r>
-            <a:endParaRPr lang="en-US"/>
           </a:p>
         </p:txBody>
       </p:sp>
@@ -224,10 +223,9 @@
           </a:lstStyle>
           <a:p>
             <a:r>
-              <a:rPr lang="en-US" smtClean="0"/>
+              <a:rPr lang="en-US"/>
               <a:t>Click to edit Master subtitle style</a:t>
             </a:r>
-            <a:endParaRPr lang="en-US"/>
           </a:p>
         </p:txBody>
       </p:sp>
@@ -248,7 +246,7 @@
           <a:p>
             <a:fld id="{0E88FCF5-2B69-4A2C-A664-7D917EFF6905}" type="datetimeFigureOut">
               <a:rPr lang="en-US" smtClean="0"/>
-              <a:t>11/26/2018</a:t>
+              <a:t>12/2/2018</a:t>
             </a:fld>
             <a:endParaRPr lang="en-US"/>
           </a:p>
@@ -342,10 +340,9 @@
           <a:lstStyle/>
           <a:p>
             <a:r>
-              <a:rPr lang="en-US" smtClean="0"/>
+              <a:rPr lang="en-US"/>
               <a:t>Click to edit Master title style</a:t>
             </a:r>
-            <a:endParaRPr lang="en-US"/>
           </a:p>
         </p:txBody>
       </p:sp>
@@ -366,38 +363,37 @@
           <a:p>
             <a:pPr lvl="0"/>
             <a:r>
-              <a:rPr lang="en-US" smtClean="0"/>
+              <a:rPr lang="en-US"/>
               <a:t>Click to edit Master text styles</a:t>
             </a:r>
           </a:p>
           <a:p>
             <a:pPr lvl="1"/>
             <a:r>
-              <a:rPr lang="en-US" smtClean="0"/>
+              <a:rPr lang="en-US"/>
               <a:t>Second level</a:t>
             </a:r>
           </a:p>
           <a:p>
             <a:pPr lvl="2"/>
             <a:r>
-              <a:rPr lang="en-US" smtClean="0"/>
+              <a:rPr lang="en-US"/>
               <a:t>Third level</a:t>
             </a:r>
           </a:p>
           <a:p>
             <a:pPr lvl="3"/>
             <a:r>
-              <a:rPr lang="en-US" smtClean="0"/>
+              <a:rPr lang="en-US"/>
               <a:t>Fourth level</a:t>
             </a:r>
           </a:p>
           <a:p>
             <a:pPr lvl="4"/>
             <a:r>
-              <a:rPr lang="en-US" smtClean="0"/>
+              <a:rPr lang="en-US"/>
               <a:t>Fifth level</a:t>
             </a:r>
-            <a:endParaRPr lang="en-US"/>
           </a:p>
         </p:txBody>
       </p:sp>
@@ -418,7 +414,7 @@
           <a:p>
             <a:fld id="{0E88FCF5-2B69-4A2C-A664-7D917EFF6905}" type="datetimeFigureOut">
               <a:rPr lang="en-US" smtClean="0"/>
-              <a:t>11/26/2018</a:t>
+              <a:t>12/2/2018</a:t>
             </a:fld>
             <a:endParaRPr lang="en-US"/>
           </a:p>
@@ -517,10 +513,9 @@
           <a:lstStyle/>
           <a:p>
             <a:r>
-              <a:rPr lang="en-US" smtClean="0"/>
+              <a:rPr lang="en-US"/>
               <a:t>Click to edit Master title style</a:t>
             </a:r>
-            <a:endParaRPr lang="en-US"/>
           </a:p>
         </p:txBody>
       </p:sp>
@@ -546,38 +541,37 @@
           <a:p>
             <a:pPr lvl="0"/>
             <a:r>
-              <a:rPr lang="en-US" smtClean="0"/>
+              <a:rPr lang="en-US"/>
               <a:t>Click to edit Master text styles</a:t>
             </a:r>
           </a:p>
           <a:p>
             <a:pPr lvl="1"/>
             <a:r>
-              <a:rPr lang="en-US" smtClean="0"/>
+              <a:rPr lang="en-US"/>
               <a:t>Second level</a:t>
             </a:r>
           </a:p>
           <a:p>
             <a:pPr lvl="2"/>
             <a:r>
-              <a:rPr lang="en-US" smtClean="0"/>
+              <a:rPr lang="en-US"/>
               <a:t>Third level</a:t>
             </a:r>
           </a:p>
           <a:p>
             <a:pPr lvl="3"/>
             <a:r>
-              <a:rPr lang="en-US" smtClean="0"/>
+              <a:rPr lang="en-US"/>
               <a:t>Fourth level</a:t>
             </a:r>
           </a:p>
           <a:p>
             <a:pPr lvl="4"/>
             <a:r>
-              <a:rPr lang="en-US" smtClean="0"/>
+              <a:rPr lang="en-US"/>
               <a:t>Fifth level</a:t>
             </a:r>
-            <a:endParaRPr lang="en-US"/>
           </a:p>
         </p:txBody>
       </p:sp>
@@ -598,7 +592,7 @@
           <a:p>
             <a:fld id="{0E88FCF5-2B69-4A2C-A664-7D917EFF6905}" type="datetimeFigureOut">
               <a:rPr lang="en-US" smtClean="0"/>
-              <a:t>11/26/2018</a:t>
+              <a:t>12/2/2018</a:t>
             </a:fld>
             <a:endParaRPr lang="en-US"/>
           </a:p>
@@ -692,10 +686,9 @@
           <a:lstStyle/>
           <a:p>
             <a:r>
-              <a:rPr lang="en-US" smtClean="0"/>
+              <a:rPr lang="en-US"/>
               <a:t>Click to edit Master title style</a:t>
             </a:r>
-            <a:endParaRPr lang="en-US"/>
           </a:p>
         </p:txBody>
       </p:sp>
@@ -716,38 +709,37 @@
           <a:p>
             <a:pPr lvl="0"/>
             <a:r>
-              <a:rPr lang="en-US" smtClean="0"/>
+              <a:rPr lang="en-US"/>
               <a:t>Click to edit Master text styles</a:t>
             </a:r>
           </a:p>
           <a:p>
             <a:pPr lvl="1"/>
             <a:r>
-              <a:rPr lang="en-US" smtClean="0"/>
+              <a:rPr lang="en-US"/>
               <a:t>Second level</a:t>
             </a:r>
           </a:p>
           <a:p>
             <a:pPr lvl="2"/>
             <a:r>
-              <a:rPr lang="en-US" smtClean="0"/>
+              <a:rPr lang="en-US"/>
               <a:t>Third level</a:t>
             </a:r>
           </a:p>
           <a:p>
             <a:pPr lvl="3"/>
             <a:r>
-              <a:rPr lang="en-US" smtClean="0"/>
+              <a:rPr lang="en-US"/>
               <a:t>Fourth level</a:t>
             </a:r>
           </a:p>
           <a:p>
             <a:pPr lvl="4"/>
             <a:r>
-              <a:rPr lang="en-US" smtClean="0"/>
+              <a:rPr lang="en-US"/>
               <a:t>Fifth level</a:t>
             </a:r>
-            <a:endParaRPr lang="en-US"/>
           </a:p>
         </p:txBody>
       </p:sp>
@@ -768,7 +760,7 @@
           <a:p>
             <a:fld id="{0E88FCF5-2B69-4A2C-A664-7D917EFF6905}" type="datetimeFigureOut">
               <a:rPr lang="en-US" smtClean="0"/>
-              <a:t>11/26/2018</a:t>
+              <a:t>12/2/2018</a:t>
             </a:fld>
             <a:endParaRPr lang="en-US"/>
           </a:p>
@@ -871,10 +863,9 @@
           </a:lstStyle>
           <a:p>
             <a:r>
-              <a:rPr lang="en-US" smtClean="0"/>
+              <a:rPr lang="en-US"/>
               <a:t>Click to edit Master title style</a:t>
             </a:r>
-            <a:endParaRPr lang="en-US"/>
           </a:p>
         </p:txBody>
       </p:sp>
@@ -991,7 +982,7 @@
           <a:p>
             <a:pPr lvl="0"/>
             <a:r>
-              <a:rPr lang="en-US" smtClean="0"/>
+              <a:rPr lang="en-US"/>
               <a:t>Click to edit Master text styles</a:t>
             </a:r>
           </a:p>
@@ -1014,7 +1005,7 @@
           <a:p>
             <a:fld id="{0E88FCF5-2B69-4A2C-A664-7D917EFF6905}" type="datetimeFigureOut">
               <a:rPr lang="en-US" smtClean="0"/>
-              <a:t>11/26/2018</a:t>
+              <a:t>12/2/2018</a:t>
             </a:fld>
             <a:endParaRPr lang="en-US"/>
           </a:p>
@@ -1108,10 +1099,9 @@
           <a:lstStyle/>
           <a:p>
             <a:r>
-              <a:rPr lang="en-US" smtClean="0"/>
+              <a:rPr lang="en-US"/>
               <a:t>Click to edit Master title style</a:t>
             </a:r>
-            <a:endParaRPr lang="en-US"/>
           </a:p>
         </p:txBody>
       </p:sp>
@@ -1137,38 +1127,37 @@
           <a:p>
             <a:pPr lvl="0"/>
             <a:r>
-              <a:rPr lang="en-US" smtClean="0"/>
+              <a:rPr lang="en-US"/>
               <a:t>Click to edit Master text styles</a:t>
             </a:r>
           </a:p>
           <a:p>
             <a:pPr lvl="1"/>
             <a:r>
-              <a:rPr lang="en-US" smtClean="0"/>
+              <a:rPr lang="en-US"/>
               <a:t>Second level</a:t>
             </a:r>
           </a:p>
           <a:p>
             <a:pPr lvl="2"/>
             <a:r>
-              <a:rPr lang="en-US" smtClean="0"/>
+              <a:rPr lang="en-US"/>
               <a:t>Third level</a:t>
             </a:r>
           </a:p>
           <a:p>
             <a:pPr lvl="3"/>
             <a:r>
-              <a:rPr lang="en-US" smtClean="0"/>
+              <a:rPr lang="en-US"/>
               <a:t>Fourth level</a:t>
             </a:r>
           </a:p>
           <a:p>
             <a:pPr lvl="4"/>
             <a:r>
-              <a:rPr lang="en-US" smtClean="0"/>
+              <a:rPr lang="en-US"/>
               <a:t>Fifth level</a:t>
             </a:r>
-            <a:endParaRPr lang="en-US"/>
           </a:p>
         </p:txBody>
       </p:sp>
@@ -1194,38 +1183,37 @@
           <a:p>
             <a:pPr lvl="0"/>
             <a:r>
-              <a:rPr lang="en-US" smtClean="0"/>
+              <a:rPr lang="en-US"/>
               <a:t>Click to edit Master text styles</a:t>
             </a:r>
           </a:p>
           <a:p>
             <a:pPr lvl="1"/>
             <a:r>
-              <a:rPr lang="en-US" smtClean="0"/>
+              <a:rPr lang="en-US"/>
               <a:t>Second level</a:t>
             </a:r>
           </a:p>
           <a:p>
             <a:pPr lvl="2"/>
             <a:r>
-              <a:rPr lang="en-US" smtClean="0"/>
+              <a:rPr lang="en-US"/>
               <a:t>Third level</a:t>
             </a:r>
           </a:p>
           <a:p>
             <a:pPr lvl="3"/>
             <a:r>
-              <a:rPr lang="en-US" smtClean="0"/>
+              <a:rPr lang="en-US"/>
               <a:t>Fourth level</a:t>
             </a:r>
           </a:p>
           <a:p>
             <a:pPr lvl="4"/>
             <a:r>
-              <a:rPr lang="en-US" smtClean="0"/>
+              <a:rPr lang="en-US"/>
               <a:t>Fifth level</a:t>
             </a:r>
-            <a:endParaRPr lang="en-US"/>
           </a:p>
         </p:txBody>
       </p:sp>
@@ -1246,7 +1234,7 @@
           <a:p>
             <a:fld id="{0E88FCF5-2B69-4A2C-A664-7D917EFF6905}" type="datetimeFigureOut">
               <a:rPr lang="en-US" smtClean="0"/>
-              <a:t>11/26/2018</a:t>
+              <a:t>12/2/2018</a:t>
             </a:fld>
             <a:endParaRPr lang="en-US"/>
           </a:p>
@@ -1345,10 +1333,9 @@
           <a:lstStyle/>
           <a:p>
             <a:r>
-              <a:rPr lang="en-US" smtClean="0"/>
+              <a:rPr lang="en-US"/>
               <a:t>Click to edit Master title style</a:t>
             </a:r>
-            <a:endParaRPr lang="en-US"/>
           </a:p>
         </p:txBody>
       </p:sp>
@@ -1411,7 +1398,7 @@
           <a:p>
             <a:pPr lvl="0"/>
             <a:r>
-              <a:rPr lang="en-US" smtClean="0"/>
+              <a:rPr lang="en-US"/>
               <a:t>Click to edit Master text styles</a:t>
             </a:r>
           </a:p>
@@ -1439,38 +1426,37 @@
           <a:p>
             <a:pPr lvl="0"/>
             <a:r>
-              <a:rPr lang="en-US" smtClean="0"/>
+              <a:rPr lang="en-US"/>
               <a:t>Click to edit Master text styles</a:t>
             </a:r>
           </a:p>
           <a:p>
             <a:pPr lvl="1"/>
             <a:r>
-              <a:rPr lang="en-US" smtClean="0"/>
+              <a:rPr lang="en-US"/>
               <a:t>Second level</a:t>
             </a:r>
           </a:p>
           <a:p>
             <a:pPr lvl="2"/>
             <a:r>
-              <a:rPr lang="en-US" smtClean="0"/>
+              <a:rPr lang="en-US"/>
               <a:t>Third level</a:t>
             </a:r>
           </a:p>
           <a:p>
             <a:pPr lvl="3"/>
             <a:r>
-              <a:rPr lang="en-US" smtClean="0"/>
+              <a:rPr lang="en-US"/>
               <a:t>Fourth level</a:t>
             </a:r>
           </a:p>
           <a:p>
             <a:pPr lvl="4"/>
             <a:r>
-              <a:rPr lang="en-US" smtClean="0"/>
+              <a:rPr lang="en-US"/>
               <a:t>Fifth level</a:t>
             </a:r>
-            <a:endParaRPr lang="en-US"/>
           </a:p>
         </p:txBody>
       </p:sp>
@@ -1533,7 +1519,7 @@
           <a:p>
             <a:pPr lvl="0"/>
             <a:r>
-              <a:rPr lang="en-US" smtClean="0"/>
+              <a:rPr lang="en-US"/>
               <a:t>Click to edit Master text styles</a:t>
             </a:r>
           </a:p>
@@ -1561,38 +1547,37 @@
           <a:p>
             <a:pPr lvl="0"/>
             <a:r>
-              <a:rPr lang="en-US" smtClean="0"/>
+              <a:rPr lang="en-US"/>
               <a:t>Click to edit Master text styles</a:t>
             </a:r>
           </a:p>
           <a:p>
             <a:pPr lvl="1"/>
             <a:r>
-              <a:rPr lang="en-US" smtClean="0"/>
+              <a:rPr lang="en-US"/>
               <a:t>Second level</a:t>
             </a:r>
           </a:p>
           <a:p>
             <a:pPr lvl="2"/>
             <a:r>
-              <a:rPr lang="en-US" smtClean="0"/>
+              <a:rPr lang="en-US"/>
               <a:t>Third level</a:t>
             </a:r>
           </a:p>
           <a:p>
             <a:pPr lvl="3"/>
             <a:r>
-              <a:rPr lang="en-US" smtClean="0"/>
+              <a:rPr lang="en-US"/>
               <a:t>Fourth level</a:t>
             </a:r>
           </a:p>
           <a:p>
             <a:pPr lvl="4"/>
             <a:r>
-              <a:rPr lang="en-US" smtClean="0"/>
+              <a:rPr lang="en-US"/>
               <a:t>Fifth level</a:t>
             </a:r>
-            <a:endParaRPr lang="en-US"/>
           </a:p>
         </p:txBody>
       </p:sp>
@@ -1613,7 +1598,7 @@
           <a:p>
             <a:fld id="{0E88FCF5-2B69-4A2C-A664-7D917EFF6905}" type="datetimeFigureOut">
               <a:rPr lang="en-US" smtClean="0"/>
-              <a:t>11/26/2018</a:t>
+              <a:t>12/2/2018</a:t>
             </a:fld>
             <a:endParaRPr lang="en-US"/>
           </a:p>
@@ -1707,10 +1692,9 @@
           <a:lstStyle/>
           <a:p>
             <a:r>
-              <a:rPr lang="en-US" smtClean="0"/>
+              <a:rPr lang="en-US"/>
               <a:t>Click to edit Master title style</a:t>
             </a:r>
-            <a:endParaRPr lang="en-US"/>
           </a:p>
         </p:txBody>
       </p:sp>
@@ -1731,7 +1715,7 @@
           <a:p>
             <a:fld id="{0E88FCF5-2B69-4A2C-A664-7D917EFF6905}" type="datetimeFigureOut">
               <a:rPr lang="en-US" smtClean="0"/>
-              <a:t>11/26/2018</a:t>
+              <a:t>12/2/2018</a:t>
             </a:fld>
             <a:endParaRPr lang="en-US"/>
           </a:p>
@@ -1826,7 +1810,7 @@
           <a:p>
             <a:fld id="{0E88FCF5-2B69-4A2C-A664-7D917EFF6905}" type="datetimeFigureOut">
               <a:rPr lang="en-US" smtClean="0"/>
-              <a:t>11/26/2018</a:t>
+              <a:t>12/2/2018</a:t>
             </a:fld>
             <a:endParaRPr lang="en-US"/>
           </a:p>
@@ -1929,10 +1913,9 @@
           </a:lstStyle>
           <a:p>
             <a:r>
-              <a:rPr lang="en-US" smtClean="0"/>
+              <a:rPr lang="en-US"/>
               <a:t>Click to edit Master title style</a:t>
             </a:r>
-            <a:endParaRPr lang="en-US"/>
           </a:p>
         </p:txBody>
       </p:sp>
@@ -1986,38 +1969,37 @@
           <a:p>
             <a:pPr lvl="0"/>
             <a:r>
-              <a:rPr lang="en-US" smtClean="0"/>
+              <a:rPr lang="en-US"/>
               <a:t>Click to edit Master text styles</a:t>
             </a:r>
           </a:p>
           <a:p>
             <a:pPr lvl="1"/>
             <a:r>
-              <a:rPr lang="en-US" smtClean="0"/>
+              <a:rPr lang="en-US"/>
               <a:t>Second level</a:t>
             </a:r>
           </a:p>
           <a:p>
             <a:pPr lvl="2"/>
             <a:r>
-              <a:rPr lang="en-US" smtClean="0"/>
+              <a:rPr lang="en-US"/>
               <a:t>Third level</a:t>
             </a:r>
           </a:p>
           <a:p>
             <a:pPr lvl="3"/>
             <a:r>
-              <a:rPr lang="en-US" smtClean="0"/>
+              <a:rPr lang="en-US"/>
               <a:t>Fourth level</a:t>
             </a:r>
           </a:p>
           <a:p>
             <a:pPr lvl="4"/>
             <a:r>
-              <a:rPr lang="en-US" smtClean="0"/>
+              <a:rPr lang="en-US"/>
               <a:t>Fifth level</a:t>
             </a:r>
-            <a:endParaRPr lang="en-US"/>
           </a:p>
         </p:txBody>
       </p:sp>
@@ -2080,7 +2062,7 @@
           <a:p>
             <a:pPr lvl="0"/>
             <a:r>
-              <a:rPr lang="en-US" smtClean="0"/>
+              <a:rPr lang="en-US"/>
               <a:t>Click to edit Master text styles</a:t>
             </a:r>
           </a:p>
@@ -2103,7 +2085,7 @@
           <a:p>
             <a:fld id="{0E88FCF5-2B69-4A2C-A664-7D917EFF6905}" type="datetimeFigureOut">
               <a:rPr lang="en-US" smtClean="0"/>
-              <a:t>11/26/2018</a:t>
+              <a:t>12/2/2018</a:t>
             </a:fld>
             <a:endParaRPr lang="en-US"/>
           </a:p>
@@ -2206,10 +2188,9 @@
           </a:lstStyle>
           <a:p>
             <a:r>
-              <a:rPr lang="en-US" smtClean="0"/>
+              <a:rPr lang="en-US"/>
               <a:t>Click to edit Master title style</a:t>
             </a:r>
-            <a:endParaRPr lang="en-US"/>
           </a:p>
         </p:txBody>
       </p:sp>
@@ -2333,7 +2314,7 @@
           <a:p>
             <a:pPr lvl="0"/>
             <a:r>
-              <a:rPr lang="en-US" smtClean="0"/>
+              <a:rPr lang="en-US"/>
               <a:t>Click to edit Master text styles</a:t>
             </a:r>
           </a:p>
@@ -2356,7 +2337,7 @@
           <a:p>
             <a:fld id="{0E88FCF5-2B69-4A2C-A664-7D917EFF6905}" type="datetimeFigureOut">
               <a:rPr lang="en-US" smtClean="0"/>
-              <a:t>11/26/2018</a:t>
+              <a:t>12/2/2018</a:t>
             </a:fld>
             <a:endParaRPr lang="en-US"/>
           </a:p>
@@ -2465,10 +2446,9 @@
           <a:lstStyle/>
           <a:p>
             <a:r>
-              <a:rPr lang="en-US" smtClean="0"/>
+              <a:rPr lang="en-US"/>
               <a:t>Click to edit Master title style</a:t>
             </a:r>
-            <a:endParaRPr lang="en-US"/>
           </a:p>
         </p:txBody>
       </p:sp>
@@ -2499,38 +2479,37 @@
           <a:p>
             <a:pPr lvl="0"/>
             <a:r>
-              <a:rPr lang="en-US" smtClean="0"/>
+              <a:rPr lang="en-US"/>
               <a:t>Click to edit Master text styles</a:t>
             </a:r>
           </a:p>
           <a:p>
             <a:pPr lvl="1"/>
             <a:r>
-              <a:rPr lang="en-US" smtClean="0"/>
+              <a:rPr lang="en-US"/>
               <a:t>Second level</a:t>
             </a:r>
           </a:p>
           <a:p>
             <a:pPr lvl="2"/>
             <a:r>
-              <a:rPr lang="en-US" smtClean="0"/>
+              <a:rPr lang="en-US"/>
               <a:t>Third level</a:t>
             </a:r>
           </a:p>
           <a:p>
             <a:pPr lvl="3"/>
             <a:r>
-              <a:rPr lang="en-US" smtClean="0"/>
+              <a:rPr lang="en-US"/>
               <a:t>Fourth level</a:t>
             </a:r>
           </a:p>
           <a:p>
             <a:pPr lvl="4"/>
             <a:r>
-              <a:rPr lang="en-US" smtClean="0"/>
+              <a:rPr lang="en-US"/>
               <a:t>Fifth level</a:t>
             </a:r>
-            <a:endParaRPr lang="en-US"/>
           </a:p>
         </p:txBody>
       </p:sp>
@@ -2569,7 +2548,7 @@
           <a:p>
             <a:fld id="{0E88FCF5-2B69-4A2C-A664-7D917EFF6905}" type="datetimeFigureOut">
               <a:rPr lang="en-US" smtClean="0"/>
-              <a:t>11/26/2018</a:t>
+              <a:t>12/2/2018</a:t>
             </a:fld>
             <a:endParaRPr lang="en-US"/>
           </a:p>
@@ -2992,14 +2971,9 @@
           <a:lstStyle/>
           <a:p>
             <a:r>
-              <a:rPr lang="en-US" dirty="0" smtClean="0"/>
-              <a:t>Determining Influential Factors of Student </a:t>
-            </a:r>
-            <a:r>
-              <a:rPr lang="en-US" dirty="0" smtClean="0"/>
-              <a:t>Success in K-12 Schools</a:t>
-            </a:r>
-            <a:endParaRPr lang="en-US" dirty="0"/>
+              <a:rPr lang="en-US" dirty="0"/>
+              <a:t>Determining Influential Factors of Student Success in K-12 Schools</a:t>
+            </a:r>
           </a:p>
         </p:txBody>
       </p:sp>
@@ -3019,10 +2993,9 @@
           <a:lstStyle/>
           <a:p>
             <a:r>
-              <a:rPr lang="en-US" dirty="0" smtClean="0"/>
+              <a:rPr lang="en-US" dirty="0"/>
               <a:t>Edward Broeder</a:t>
             </a:r>
-            <a:endParaRPr lang="en-US" dirty="0"/>
           </a:p>
         </p:txBody>
       </p:sp>
@@ -3073,10 +3046,9 @@
           <a:p>
             <a:pPr algn="ctr"/>
             <a:r>
-              <a:rPr lang="en-US" dirty="0" smtClean="0"/>
+              <a:rPr lang="en-US" dirty="0"/>
               <a:t>Data Set</a:t>
             </a:r>
-            <a:endParaRPr lang="en-US" dirty="0"/>
           </a:p>
         </p:txBody>
       </p:sp>
@@ -3092,10 +3064,106 @@
         </p:nvSpPr>
         <p:spPr/>
         <p:txBody>
-          <a:bodyPr/>
-          <a:lstStyle/>
-          <a:p>
-            <a:endParaRPr lang="en-US"/>
+          <a:bodyPr>
+            <a:normAutofit/>
+          </a:bodyPr>
+          <a:lstStyle/>
+          <a:p>
+            <a:r>
+              <a:rPr lang="en-US" sz="1400" dirty="0">
+                <a:hlinkClick r:id="rId2"/>
+              </a:rPr>
+              <a:t>http://www3.cde.ca.gov/starresearchfiles/2013/p3/ca2013_1_csv_v3.zip</a:t>
+            </a:r>
+            <a:r>
+              <a:rPr lang="en-US" sz="1400" dirty="0"/>
+              <a:t> 344063 csv - CA STAR testing results from </a:t>
+            </a:r>
+            <a:r>
+              <a:rPr lang="en-US" sz="1400" dirty="0">
+                <a:hlinkClick r:id="rId3"/>
+              </a:rPr>
+              <a:t>https://star.cde.ca.gov/star2013/ResearchFileList.aspx?ps=true&amp;lstTestYear=2013&amp;lstTestType=C&amp;lstCounty=43&amp;lstDistrict=&amp;lstSchool=&amp;lstGroup=1&amp;lstSubGroup=1&amp;lstCntyNam=Santa%20Clara&amp;lstDistNam=(none%20selected)</a:t>
+            </a:r>
+            <a:r>
+              <a:rPr lang="en-US" sz="1400" dirty="0"/>
+              <a:t> </a:t>
+            </a:r>
+          </a:p>
+          <a:p>
+            <a:endParaRPr lang="en-US" sz="1400" dirty="0"/>
+          </a:p>
+          <a:p>
+            <a:r>
+              <a:rPr lang="en-US" sz="1400" dirty="0">
+                <a:hlinkClick r:id="rId4"/>
+              </a:rPr>
+              <a:t>ftp://ftp.cde.ca.gov/demo/cbeds/cbedsora12a.txt</a:t>
+            </a:r>
+            <a:r>
+              <a:rPr lang="en-US" sz="1400" dirty="0"/>
+              <a:t> 45157 (converted to csv) - staff demographics</a:t>
+            </a:r>
+          </a:p>
+          <a:p>
+            <a:endParaRPr lang="en-US" sz="1400" dirty="0"/>
+          </a:p>
+          <a:p>
+            <a:r>
+              <a:rPr lang="en-US" sz="1400" dirty="0">
+                <a:hlinkClick r:id="rId5"/>
+              </a:rPr>
+              <a:t>https://dq.cde.ca.gov/dataquest/content.asp</a:t>
+            </a:r>
+            <a:r>
+              <a:rPr lang="en-US" sz="1400" dirty="0"/>
+              <a:t> 127113 - enrollment demographics</a:t>
+            </a:r>
+          </a:p>
+          <a:p>
+            <a:endParaRPr lang="en-US" sz="1400" dirty="0"/>
+          </a:p>
+          <a:p>
+            <a:r>
+              <a:rPr lang="en-US" sz="1400" dirty="0">
+                <a:hlinkClick r:id="rId6"/>
+              </a:rPr>
+              <a:t>https://www.cde.ca.gov/ds/si/ds/pubschls.asp</a:t>
+            </a:r>
+            <a:r>
+              <a:rPr lang="en-US" sz="1400" dirty="0"/>
+              <a:t> 17997 - public school information</a:t>
+            </a:r>
+          </a:p>
+          <a:p>
+            <a:endParaRPr lang="en-US" sz="1400" dirty="0"/>
+          </a:p>
+          <a:p>
+            <a:r>
+              <a:rPr lang="en-US" sz="1400" dirty="0">
+                <a:hlinkClick r:id="rId7"/>
+              </a:rPr>
+              <a:t>http://www3.cde.ca.gov/researchfiles/api/api13gtx.zip</a:t>
+            </a:r>
+            <a:r>
+              <a:rPr lang="en-US" sz="1400" dirty="0"/>
+              <a:t> 10946 - Academic Performance Index (API</a:t>
+            </a:r>
+            <a:r>
+              <a:rPr lang="en-US" sz="1400"/>
+              <a:t>) from </a:t>
+            </a:r>
+            <a:r>
+              <a:rPr lang="en-US" sz="1400">
+                <a:hlinkClick r:id="rId8"/>
+              </a:rPr>
+              <a:t>https://www.cde.ca.gov/ta/ac/ap/apidatafiles.asp</a:t>
+            </a:r>
+            <a:r>
+              <a:rPr lang="en-US" sz="1400"/>
+              <a:t> </a:t>
+            </a:r>
+            <a:endParaRPr lang="en-US" sz="1400" dirty="0"/>
           </a:p>
         </p:txBody>
       </p:sp>
@@ -3145,10 +3213,9 @@
           <a:lstStyle/>
           <a:p>
             <a:r>
-              <a:rPr lang="en-US" dirty="0" smtClean="0"/>
+              <a:rPr lang="en-US" dirty="0"/>
               <a:t>Hypothesis / planned findings? How to word this?</a:t>
             </a:r>
-            <a:endParaRPr lang="en-US" dirty="0"/>
           </a:p>
         </p:txBody>
       </p:sp>
@@ -3217,29 +3284,28 @@
           <a:lstStyle/>
           <a:p>
             <a:r>
-              <a:rPr lang="en-US" dirty="0" smtClean="0"/>
+              <a:rPr lang="en-US" dirty="0"/>
               <a:t>Explain tools, algorithms, difficulties</a:t>
             </a:r>
+          </a:p>
+        </p:txBody>
+      </p:sp>
+      <p:sp>
+        <p:nvSpPr>
+          <p:cNvPr id="3" name="Content Placeholder 2"/>
+          <p:cNvSpPr>
+            <a:spLocks noGrp="1"/>
+          </p:cNvSpPr>
+          <p:nvPr>
+            <p:ph idx="1"/>
+          </p:nvPr>
+        </p:nvSpPr>
+        <p:spPr/>
+        <p:txBody>
+          <a:bodyPr/>
+          <a:lstStyle/>
+          <a:p>
             <a:endParaRPr lang="en-US" dirty="0"/>
-          </a:p>
-        </p:txBody>
-      </p:sp>
-      <p:sp>
-        <p:nvSpPr>
-          <p:cNvPr id="3" name="Content Placeholder 2"/>
-          <p:cNvSpPr>
-            <a:spLocks noGrp="1"/>
-          </p:cNvSpPr>
-          <p:nvPr>
-            <p:ph idx="1"/>
-          </p:nvPr>
-        </p:nvSpPr>
-        <p:spPr/>
-        <p:txBody>
-          <a:bodyPr/>
-          <a:lstStyle/>
-          <a:p>
-            <a:endParaRPr lang="en-US"/>
           </a:p>
         </p:txBody>
       </p:sp>
@@ -3289,10 +3355,9 @@
           <a:lstStyle/>
           <a:p>
             <a:r>
-              <a:rPr lang="en-US" dirty="0" smtClean="0"/>
+              <a:rPr lang="en-US" dirty="0"/>
               <a:t>Compare my work with related works</a:t>
             </a:r>
-            <a:endParaRPr lang="en-US" dirty="0"/>
           </a:p>
         </p:txBody>
       </p:sp>
@@ -3361,10 +3426,9 @@
           <a:lstStyle/>
           <a:p>
             <a:r>
-              <a:rPr lang="en-US" dirty="0" smtClean="0"/>
+              <a:rPr lang="en-US" dirty="0"/>
               <a:t>Results</a:t>
             </a:r>
-            <a:endParaRPr lang="en-US" dirty="0"/>
           </a:p>
         </p:txBody>
       </p:sp>

--- a/Determining Influential Factors of Student Success.pptx
+++ b/Determining Influential Factors of Student Success.pptx
@@ -7,10 +7,19 @@
   <p:sldIdLst>
     <p:sldId id="256" r:id="rId2"/>
     <p:sldId id="257" r:id="rId3"/>
-    <p:sldId id="258" r:id="rId4"/>
-    <p:sldId id="259" r:id="rId5"/>
-    <p:sldId id="260" r:id="rId6"/>
-    <p:sldId id="261" r:id="rId7"/>
+    <p:sldId id="262" r:id="rId4"/>
+    <p:sldId id="258" r:id="rId5"/>
+    <p:sldId id="259" r:id="rId6"/>
+    <p:sldId id="269" r:id="rId7"/>
+    <p:sldId id="263" r:id="rId8"/>
+    <p:sldId id="261" r:id="rId9"/>
+    <p:sldId id="264" r:id="rId10"/>
+    <p:sldId id="266" r:id="rId11"/>
+    <p:sldId id="267" r:id="rId12"/>
+    <p:sldId id="268" r:id="rId13"/>
+    <p:sldId id="270" r:id="rId14"/>
+    <p:sldId id="265" r:id="rId15"/>
+    <p:sldId id="271" r:id="rId16"/>
   </p:sldIdLst>
   <p:sldSz cx="12192000" cy="6858000"/>
   <p:notesSz cx="6858000" cy="9144000"/>
@@ -3012,6 +3021,923 @@
 </p:sld>
 </file>
 
+<file path=ppt/slides/slide10.xml><?xml version="1.0" encoding="utf-8"?>
+<p:sld xmlns:a="http://schemas.openxmlformats.org/drawingml/2006/main" xmlns:r="http://schemas.openxmlformats.org/officeDocument/2006/relationships" xmlns:p="http://schemas.openxmlformats.org/presentationml/2006/main">
+  <p:cSld>
+    <p:spTree>
+      <p:nvGrpSpPr>
+        <p:cNvPr id="1" name=""/>
+        <p:cNvGrpSpPr/>
+        <p:nvPr/>
+      </p:nvGrpSpPr>
+      <p:grpSpPr>
+        <a:xfrm>
+          <a:off x="0" y="0"/>
+          <a:ext cx="0" cy="0"/>
+          <a:chOff x="0" y="0"/>
+          <a:chExt cx="0" cy="0"/>
+        </a:xfrm>
+      </p:grpSpPr>
+      <p:sp>
+        <p:nvSpPr>
+          <p:cNvPr id="2" name="Title 1">
+            <a:extLst>
+              <a:ext uri="{FF2B5EF4-FFF2-40B4-BE49-F238E27FC236}">
+                <a16:creationId xmlns:a16="http://schemas.microsoft.com/office/drawing/2014/main" id="{B39C6B29-C850-418F-AD86-A8D8D2072A0E}"/>
+              </a:ext>
+            </a:extLst>
+          </p:cNvPr>
+          <p:cNvSpPr>
+            <a:spLocks noGrp="1"/>
+          </p:cNvSpPr>
+          <p:nvPr>
+            <p:ph type="title"/>
+          </p:nvPr>
+        </p:nvSpPr>
+        <p:spPr/>
+        <p:txBody>
+          <a:bodyPr>
+            <a:normAutofit/>
+          </a:bodyPr>
+          <a:lstStyle/>
+          <a:p>
+            <a:pPr algn="ctr"/>
+            <a:r>
+              <a:rPr lang="en-US" sz="3800" dirty="0"/>
+              <a:t>API vs. Percent of Emergency Credentialed Teachers</a:t>
+            </a:r>
+          </a:p>
+        </p:txBody>
+      </p:sp>
+      <p:pic>
+        <p:nvPicPr>
+          <p:cNvPr id="6" name="Content Placeholder 5">
+            <a:extLst>
+              <a:ext uri="{FF2B5EF4-FFF2-40B4-BE49-F238E27FC236}">
+                <a16:creationId xmlns:a16="http://schemas.microsoft.com/office/drawing/2014/main" id="{86F325A1-3790-446B-AAD5-412BA5F070B7}"/>
+              </a:ext>
+            </a:extLst>
+          </p:cNvPr>
+          <p:cNvPicPr>
+            <a:picLocks noGrp="1" noChangeAspect="1"/>
+          </p:cNvPicPr>
+          <p:nvPr>
+            <p:ph idx="1"/>
+          </p:nvPr>
+        </p:nvPicPr>
+        <p:blipFill>
+          <a:blip r:embed="rId2"/>
+          <a:stretch>
+            <a:fillRect/>
+          </a:stretch>
+        </p:blipFill>
+        <p:spPr>
+          <a:xfrm>
+            <a:off x="161468" y="1535026"/>
+            <a:ext cx="5327332" cy="3751957"/>
+          </a:xfrm>
+          <a:prstGeom prst="rect">
+            <a:avLst/>
+          </a:prstGeom>
+        </p:spPr>
+      </p:pic>
+      <p:pic>
+        <p:nvPicPr>
+          <p:cNvPr id="7" name="Picture 6">
+            <a:extLst>
+              <a:ext uri="{FF2B5EF4-FFF2-40B4-BE49-F238E27FC236}">
+                <a16:creationId xmlns:a16="http://schemas.microsoft.com/office/drawing/2014/main" id="{30A8CAF2-FE8E-40DF-B3D4-48751ACD38A8}"/>
+              </a:ext>
+            </a:extLst>
+          </p:cNvPr>
+          <p:cNvPicPr>
+            <a:picLocks noChangeAspect="1"/>
+          </p:cNvPicPr>
+          <p:nvPr/>
+        </p:nvPicPr>
+        <p:blipFill>
+          <a:blip r:embed="rId3"/>
+          <a:stretch>
+            <a:fillRect/>
+          </a:stretch>
+        </p:blipFill>
+        <p:spPr>
+          <a:xfrm>
+            <a:off x="6216634" y="1535026"/>
+            <a:ext cx="5417420" cy="3848471"/>
+          </a:xfrm>
+          <a:prstGeom prst="rect">
+            <a:avLst/>
+          </a:prstGeom>
+        </p:spPr>
+      </p:pic>
+      <p:sp>
+        <p:nvSpPr>
+          <p:cNvPr id="8" name="Rectangle 7">
+            <a:extLst>
+              <a:ext uri="{FF2B5EF4-FFF2-40B4-BE49-F238E27FC236}">
+                <a16:creationId xmlns:a16="http://schemas.microsoft.com/office/drawing/2014/main" id="{5A3D0886-CAF3-4E68-BC68-607B919084C4}"/>
+              </a:ext>
+            </a:extLst>
+          </p:cNvPr>
+          <p:cNvSpPr/>
+          <p:nvPr/>
+        </p:nvSpPr>
+        <p:spPr>
+          <a:xfrm>
+            <a:off x="376136" y="5980359"/>
+            <a:ext cx="11439728" cy="369332"/>
+          </a:xfrm>
+          <a:prstGeom prst="rect">
+            <a:avLst/>
+          </a:prstGeom>
+        </p:spPr>
+        <p:txBody>
+          <a:bodyPr wrap="square">
+            <a:spAutoFit/>
+          </a:bodyPr>
+          <a:lstStyle/>
+          <a:p>
+            <a:pPr marL="285750" indent="-285750" algn="ctr">
+              <a:buFont typeface="Arial" panose="020B0604020202020204" pitchFamily="34" charset="0"/>
+              <a:buChar char="•"/>
+            </a:pPr>
+            <a:r>
+              <a:rPr lang="en-US" dirty="0"/>
+              <a:t>Findings: No apparent correlation between percent of emergency credentialed teachers and student performance</a:t>
+            </a:r>
+          </a:p>
+        </p:txBody>
+      </p:sp>
+    </p:spTree>
+    <p:extLst>
+      <p:ext uri="{BB962C8B-B14F-4D97-AF65-F5344CB8AC3E}">
+        <p14:creationId xmlns:p14="http://schemas.microsoft.com/office/powerpoint/2010/main" val="551201037"/>
+      </p:ext>
+    </p:extLst>
+  </p:cSld>
+  <p:clrMapOvr>
+    <a:masterClrMapping/>
+  </p:clrMapOvr>
+</p:sld>
+</file>
+
+<file path=ppt/slides/slide11.xml><?xml version="1.0" encoding="utf-8"?>
+<p:sld xmlns:a="http://schemas.openxmlformats.org/drawingml/2006/main" xmlns:r="http://schemas.openxmlformats.org/officeDocument/2006/relationships" xmlns:p="http://schemas.openxmlformats.org/presentationml/2006/main">
+  <p:cSld>
+    <p:spTree>
+      <p:nvGrpSpPr>
+        <p:cNvPr id="1" name=""/>
+        <p:cNvGrpSpPr/>
+        <p:nvPr/>
+      </p:nvGrpSpPr>
+      <p:grpSpPr>
+        <a:xfrm>
+          <a:off x="0" y="0"/>
+          <a:ext cx="0" cy="0"/>
+          <a:chOff x="0" y="0"/>
+          <a:chExt cx="0" cy="0"/>
+        </a:xfrm>
+      </p:grpSpPr>
+      <p:sp>
+        <p:nvSpPr>
+          <p:cNvPr id="2" name="Title 1">
+            <a:extLst>
+              <a:ext uri="{FF2B5EF4-FFF2-40B4-BE49-F238E27FC236}">
+                <a16:creationId xmlns:a16="http://schemas.microsoft.com/office/drawing/2014/main" id="{D5A7D6F9-5C5F-47A1-93AE-C98032464D0E}"/>
+              </a:ext>
+            </a:extLst>
+          </p:cNvPr>
+          <p:cNvSpPr>
+            <a:spLocks noGrp="1"/>
+          </p:cNvSpPr>
+          <p:nvPr>
+            <p:ph type="title"/>
+          </p:nvPr>
+        </p:nvSpPr>
+        <p:spPr>
+          <a:xfrm>
+            <a:off x="838200" y="49248"/>
+            <a:ext cx="10515600" cy="1325563"/>
+          </a:xfrm>
+        </p:spPr>
+        <p:txBody>
+          <a:bodyPr>
+            <a:normAutofit/>
+          </a:bodyPr>
+          <a:lstStyle/>
+          <a:p>
+            <a:pPr algn="ctr"/>
+            <a:r>
+              <a:rPr lang="en-US" sz="3800" dirty="0"/>
+              <a:t>API vs. Geographical Latitude</a:t>
+            </a:r>
+          </a:p>
+        </p:txBody>
+      </p:sp>
+      <p:pic>
+        <p:nvPicPr>
+          <p:cNvPr id="5" name="Content Placeholder 4">
+            <a:extLst>
+              <a:ext uri="{FF2B5EF4-FFF2-40B4-BE49-F238E27FC236}">
+                <a16:creationId xmlns:a16="http://schemas.microsoft.com/office/drawing/2014/main" id="{43399905-25E6-4D25-8D91-D537F6E69CD9}"/>
+              </a:ext>
+            </a:extLst>
+          </p:cNvPr>
+          <p:cNvPicPr>
+            <a:picLocks noGrp="1" noChangeAspect="1"/>
+          </p:cNvPicPr>
+          <p:nvPr>
+            <p:ph idx="1"/>
+          </p:nvPr>
+        </p:nvPicPr>
+        <p:blipFill>
+          <a:blip r:embed="rId2"/>
+          <a:stretch>
+            <a:fillRect/>
+          </a:stretch>
+        </p:blipFill>
+        <p:spPr>
+          <a:xfrm>
+            <a:off x="126018" y="3456359"/>
+            <a:ext cx="3219642" cy="2275662"/>
+          </a:xfrm>
+          <a:prstGeom prst="rect">
+            <a:avLst/>
+          </a:prstGeom>
+        </p:spPr>
+      </p:pic>
+      <p:pic>
+        <p:nvPicPr>
+          <p:cNvPr id="4" name="Picture 3">
+            <a:extLst>
+              <a:ext uri="{FF2B5EF4-FFF2-40B4-BE49-F238E27FC236}">
+                <a16:creationId xmlns:a16="http://schemas.microsoft.com/office/drawing/2014/main" id="{F081C033-8B5E-4AC8-B29D-D5A018C28637}"/>
+              </a:ext>
+            </a:extLst>
+          </p:cNvPr>
+          <p:cNvPicPr>
+            <a:picLocks noChangeAspect="1"/>
+          </p:cNvPicPr>
+          <p:nvPr/>
+        </p:nvPicPr>
+        <p:blipFill>
+          <a:blip r:embed="rId3"/>
+          <a:stretch>
+            <a:fillRect/>
+          </a:stretch>
+        </p:blipFill>
+        <p:spPr>
+          <a:xfrm>
+            <a:off x="193195" y="1202035"/>
+            <a:ext cx="3085289" cy="2199606"/>
+          </a:xfrm>
+          <a:prstGeom prst="rect">
+            <a:avLst/>
+          </a:prstGeom>
+        </p:spPr>
+      </p:pic>
+      <p:pic>
+        <p:nvPicPr>
+          <p:cNvPr id="7" name="Picture 6">
+            <a:extLst>
+              <a:ext uri="{FF2B5EF4-FFF2-40B4-BE49-F238E27FC236}">
+                <a16:creationId xmlns:a16="http://schemas.microsoft.com/office/drawing/2014/main" id="{61A92B10-B96B-4165-AFC5-7705522EA1F7}"/>
+              </a:ext>
+            </a:extLst>
+          </p:cNvPr>
+          <p:cNvPicPr>
+            <a:picLocks noChangeAspect="1"/>
+          </p:cNvPicPr>
+          <p:nvPr/>
+        </p:nvPicPr>
+        <p:blipFill>
+          <a:blip r:embed="rId4"/>
+          <a:stretch>
+            <a:fillRect/>
+          </a:stretch>
+        </p:blipFill>
+        <p:spPr>
+          <a:xfrm>
+            <a:off x="3491799" y="1345680"/>
+            <a:ext cx="4310586" cy="3897183"/>
+          </a:xfrm>
+          <a:prstGeom prst="rect">
+            <a:avLst/>
+          </a:prstGeom>
+        </p:spPr>
+      </p:pic>
+      <p:sp>
+        <p:nvSpPr>
+          <p:cNvPr id="8" name="Rectangle 7">
+            <a:extLst>
+              <a:ext uri="{FF2B5EF4-FFF2-40B4-BE49-F238E27FC236}">
+                <a16:creationId xmlns:a16="http://schemas.microsoft.com/office/drawing/2014/main" id="{82F58137-F1DA-46A1-A6DC-01DA8D55AF0B}"/>
+              </a:ext>
+            </a:extLst>
+          </p:cNvPr>
+          <p:cNvSpPr/>
+          <p:nvPr/>
+        </p:nvSpPr>
+        <p:spPr>
+          <a:xfrm>
+            <a:off x="193195" y="5885422"/>
+            <a:ext cx="11322996" cy="923330"/>
+          </a:xfrm>
+          <a:prstGeom prst="rect">
+            <a:avLst/>
+          </a:prstGeom>
+        </p:spPr>
+        <p:txBody>
+          <a:bodyPr wrap="square">
+            <a:spAutoFit/>
+          </a:bodyPr>
+          <a:lstStyle/>
+          <a:p>
+            <a:pPr marL="285750" indent="-285750" algn="ctr">
+              <a:buFont typeface="Arial" panose="020B0604020202020204" pitchFamily="34" charset="0"/>
+              <a:buChar char="•"/>
+            </a:pPr>
+            <a:r>
+              <a:rPr lang="en-US" dirty="0"/>
+              <a:t>Findings: There appears to be a positive correlation between certain (33, 34, 37-38) latitudes and student performance. This may be related to the higher population density in the bay area (37-38) and LA area (34). It also may be related to increased property taxes in more expensive areas, as property taxes are often used to fund schools</a:t>
+            </a:r>
+          </a:p>
+        </p:txBody>
+      </p:sp>
+      <p:sp>
+        <p:nvSpPr>
+          <p:cNvPr id="9" name="TextBox 8">
+            <a:extLst>
+              <a:ext uri="{FF2B5EF4-FFF2-40B4-BE49-F238E27FC236}">
+                <a16:creationId xmlns:a16="http://schemas.microsoft.com/office/drawing/2014/main" id="{A26E6D0B-2973-4C47-A1DC-7B78AA853EE8}"/>
+              </a:ext>
+            </a:extLst>
+          </p:cNvPr>
+          <p:cNvSpPr txBox="1"/>
+          <p:nvPr/>
+        </p:nvSpPr>
+        <p:spPr>
+          <a:xfrm>
+            <a:off x="3559512" y="5266099"/>
+            <a:ext cx="5072975" cy="246221"/>
+          </a:xfrm>
+          <a:prstGeom prst="rect">
+            <a:avLst/>
+          </a:prstGeom>
+          <a:noFill/>
+        </p:spPr>
+        <p:txBody>
+          <a:bodyPr wrap="square" rtlCol="0">
+            <a:spAutoFit/>
+          </a:bodyPr>
+          <a:lstStyle/>
+          <a:p>
+            <a:r>
+              <a:rPr lang="en-US" sz="1000" dirty="0"/>
+              <a:t>Source: </a:t>
+            </a:r>
+            <a:r>
+              <a:rPr lang="en-US" sz="1000" dirty="0">
+                <a:hlinkClick r:id="rId5"/>
+              </a:rPr>
+              <a:t>https://www.mapsofworld.com/usa/states/california/lat-long.html</a:t>
+            </a:r>
+            <a:r>
+              <a:rPr lang="en-US" sz="1000" dirty="0"/>
+              <a:t> </a:t>
+            </a:r>
+          </a:p>
+        </p:txBody>
+      </p:sp>
+      <p:pic>
+        <p:nvPicPr>
+          <p:cNvPr id="10" name="Picture 9">
+            <a:extLst>
+              <a:ext uri="{FF2B5EF4-FFF2-40B4-BE49-F238E27FC236}">
+                <a16:creationId xmlns:a16="http://schemas.microsoft.com/office/drawing/2014/main" id="{C5A104A0-9EA2-4036-B6EF-28915C6CDA8F}"/>
+              </a:ext>
+            </a:extLst>
+          </p:cNvPr>
+          <p:cNvPicPr>
+            <a:picLocks noChangeAspect="1"/>
+          </p:cNvPicPr>
+          <p:nvPr/>
+        </p:nvPicPr>
+        <p:blipFill>
+          <a:blip r:embed="rId6"/>
+          <a:stretch>
+            <a:fillRect/>
+          </a:stretch>
+        </p:blipFill>
+        <p:spPr>
+          <a:xfrm>
+            <a:off x="7850330" y="1577968"/>
+            <a:ext cx="3575053" cy="3664895"/>
+          </a:xfrm>
+          <a:prstGeom prst="rect">
+            <a:avLst/>
+          </a:prstGeom>
+        </p:spPr>
+      </p:pic>
+      <p:sp>
+        <p:nvSpPr>
+          <p:cNvPr id="11" name="Rectangle 10">
+            <a:extLst>
+              <a:ext uri="{FF2B5EF4-FFF2-40B4-BE49-F238E27FC236}">
+                <a16:creationId xmlns:a16="http://schemas.microsoft.com/office/drawing/2014/main" id="{6F8191E6-56A0-4D2A-A325-77CDD78EDBBB}"/>
+              </a:ext>
+            </a:extLst>
+          </p:cNvPr>
+          <p:cNvSpPr/>
+          <p:nvPr/>
+        </p:nvSpPr>
+        <p:spPr>
+          <a:xfrm>
+            <a:off x="8101519" y="5256704"/>
+            <a:ext cx="2350852" cy="246221"/>
+          </a:xfrm>
+          <a:prstGeom prst="rect">
+            <a:avLst/>
+          </a:prstGeom>
+        </p:spPr>
+        <p:txBody>
+          <a:bodyPr wrap="square">
+            <a:spAutoFit/>
+          </a:bodyPr>
+          <a:lstStyle/>
+          <a:p>
+            <a:r>
+              <a:rPr lang="en-US" sz="1000" dirty="0"/>
+              <a:t>Source: </a:t>
+            </a:r>
+            <a:r>
+              <a:rPr lang="en-US" sz="1000" dirty="0">
+                <a:hlinkClick r:id="rId7"/>
+              </a:rPr>
+              <a:t>http://www.geocurrents.info</a:t>
+            </a:r>
+            <a:endParaRPr lang="en-US" sz="1000" dirty="0"/>
+          </a:p>
+        </p:txBody>
+      </p:sp>
+    </p:spTree>
+    <p:extLst>
+      <p:ext uri="{BB962C8B-B14F-4D97-AF65-F5344CB8AC3E}">
+        <p14:creationId xmlns:p14="http://schemas.microsoft.com/office/powerpoint/2010/main" val="1204711032"/>
+      </p:ext>
+    </p:extLst>
+  </p:cSld>
+  <p:clrMapOvr>
+    <a:masterClrMapping/>
+  </p:clrMapOvr>
+</p:sld>
+</file>
+
+<file path=ppt/slides/slide12.xml><?xml version="1.0" encoding="utf-8"?>
+<p:sld xmlns:a="http://schemas.openxmlformats.org/drawingml/2006/main" xmlns:r="http://schemas.openxmlformats.org/officeDocument/2006/relationships" xmlns:p="http://schemas.openxmlformats.org/presentationml/2006/main">
+  <p:cSld>
+    <p:spTree>
+      <p:nvGrpSpPr>
+        <p:cNvPr id="1" name=""/>
+        <p:cNvGrpSpPr/>
+        <p:nvPr/>
+      </p:nvGrpSpPr>
+      <p:grpSpPr>
+        <a:xfrm>
+          <a:off x="0" y="0"/>
+          <a:ext cx="0" cy="0"/>
+          <a:chOff x="0" y="0"/>
+          <a:chExt cx="0" cy="0"/>
+        </a:xfrm>
+      </p:grpSpPr>
+      <p:sp>
+        <p:nvSpPr>
+          <p:cNvPr id="2" name="Title 1">
+            <a:extLst>
+              <a:ext uri="{FF2B5EF4-FFF2-40B4-BE49-F238E27FC236}">
+                <a16:creationId xmlns:a16="http://schemas.microsoft.com/office/drawing/2014/main" id="{F324A17C-E2B7-440B-B5D5-6DF3EDAE8BF8}"/>
+              </a:ext>
+            </a:extLst>
+          </p:cNvPr>
+          <p:cNvSpPr>
+            <a:spLocks noGrp="1"/>
+          </p:cNvSpPr>
+          <p:nvPr>
+            <p:ph type="title"/>
+          </p:nvPr>
+        </p:nvSpPr>
+        <p:spPr/>
+        <p:txBody>
+          <a:bodyPr/>
+          <a:lstStyle/>
+          <a:p>
+            <a:pPr algn="ctr"/>
+            <a:r>
+              <a:rPr lang="en-US" dirty="0"/>
+              <a:t>Hypothesis – Tested</a:t>
+            </a:r>
+          </a:p>
+        </p:txBody>
+      </p:sp>
+      <p:sp>
+        <p:nvSpPr>
+          <p:cNvPr id="3" name="Content Placeholder 2">
+            <a:extLst>
+              <a:ext uri="{FF2B5EF4-FFF2-40B4-BE49-F238E27FC236}">
+                <a16:creationId xmlns:a16="http://schemas.microsoft.com/office/drawing/2014/main" id="{DAA6EA0E-DC87-4B7D-B530-DCB9E3BC482B}"/>
+              </a:ext>
+            </a:extLst>
+          </p:cNvPr>
+          <p:cNvSpPr>
+            <a:spLocks noGrp="1"/>
+          </p:cNvSpPr>
+          <p:nvPr>
+            <p:ph idx="1"/>
+          </p:nvPr>
+        </p:nvSpPr>
+        <p:spPr/>
+        <p:txBody>
+          <a:bodyPr/>
+          <a:lstStyle/>
+          <a:p>
+            <a:r>
+              <a:rPr lang="en-US" dirty="0"/>
+              <a:t>Increased parent education levels would correlate with a higher student performance index </a:t>
+            </a:r>
+            <a:r>
+              <a:rPr lang="en-US" b="1" dirty="0">
+                <a:solidFill>
+                  <a:schemeClr val="accent6">
+                    <a:lumMod val="75000"/>
+                  </a:schemeClr>
+                </a:solidFill>
+              </a:rPr>
+              <a:t>TRUE</a:t>
+            </a:r>
+            <a:endParaRPr lang="en-US" dirty="0">
+              <a:solidFill>
+                <a:schemeClr val="accent6">
+                  <a:lumMod val="75000"/>
+                </a:schemeClr>
+              </a:solidFill>
+            </a:endParaRPr>
+          </a:p>
+          <a:p>
+            <a:endParaRPr lang="en-US" dirty="0"/>
+          </a:p>
+          <a:p>
+            <a:r>
+              <a:rPr lang="en-US" dirty="0"/>
+              <a:t> </a:t>
+            </a:r>
+            <a:r>
+              <a:rPr lang="en-US" strike="sngStrike" dirty="0"/>
+              <a:t>Increased percentage of emergency-credential holding teachers would correlate with a lower student performance index</a:t>
+            </a:r>
+            <a:r>
+              <a:rPr lang="en-US" dirty="0"/>
+              <a:t>  </a:t>
+            </a:r>
+            <a:r>
+              <a:rPr lang="en-US" b="1" dirty="0">
+                <a:solidFill>
+                  <a:srgbClr val="C00000"/>
+                </a:solidFill>
+              </a:rPr>
+              <a:t>FALSE</a:t>
+            </a:r>
+            <a:endParaRPr lang="en-US" dirty="0">
+              <a:solidFill>
+                <a:srgbClr val="C00000"/>
+              </a:solidFill>
+            </a:endParaRPr>
+          </a:p>
+          <a:p>
+            <a:endParaRPr lang="en-US" dirty="0"/>
+          </a:p>
+          <a:p>
+            <a:r>
+              <a:rPr lang="en-US" dirty="0"/>
+              <a:t>Student performance would be greater in highly-populated regions compared to rural regions </a:t>
+            </a:r>
+            <a:r>
+              <a:rPr lang="en-US" b="1" dirty="0">
+                <a:solidFill>
+                  <a:schemeClr val="accent6">
+                    <a:lumMod val="75000"/>
+                  </a:schemeClr>
+                </a:solidFill>
+              </a:rPr>
+              <a:t>TRUE</a:t>
+            </a:r>
+            <a:endParaRPr lang="en-US" dirty="0"/>
+          </a:p>
+          <a:p>
+            <a:endParaRPr lang="en-US" dirty="0"/>
+          </a:p>
+        </p:txBody>
+      </p:sp>
+    </p:spTree>
+    <p:extLst>
+      <p:ext uri="{BB962C8B-B14F-4D97-AF65-F5344CB8AC3E}">
+        <p14:creationId xmlns:p14="http://schemas.microsoft.com/office/powerpoint/2010/main" val="2182423743"/>
+      </p:ext>
+    </p:extLst>
+  </p:cSld>
+  <p:clrMapOvr>
+    <a:masterClrMapping/>
+  </p:clrMapOvr>
+</p:sld>
+</file>
+
+<file path=ppt/slides/slide13.xml><?xml version="1.0" encoding="utf-8"?>
+<p:sld xmlns:a="http://schemas.openxmlformats.org/drawingml/2006/main" xmlns:r="http://schemas.openxmlformats.org/officeDocument/2006/relationships" xmlns:p="http://schemas.openxmlformats.org/presentationml/2006/main">
+  <p:cSld>
+    <p:spTree>
+      <p:nvGrpSpPr>
+        <p:cNvPr id="1" name=""/>
+        <p:cNvGrpSpPr/>
+        <p:nvPr/>
+      </p:nvGrpSpPr>
+      <p:grpSpPr>
+        <a:xfrm>
+          <a:off x="0" y="0"/>
+          <a:ext cx="0" cy="0"/>
+          <a:chOff x="0" y="0"/>
+          <a:chExt cx="0" cy="0"/>
+        </a:xfrm>
+      </p:grpSpPr>
+      <p:sp>
+        <p:nvSpPr>
+          <p:cNvPr id="2" name="Title 1">
+            <a:extLst>
+              <a:ext uri="{FF2B5EF4-FFF2-40B4-BE49-F238E27FC236}">
+                <a16:creationId xmlns:a16="http://schemas.microsoft.com/office/drawing/2014/main" id="{F0BF4A13-BB91-4D85-A272-54953679D850}"/>
+              </a:ext>
+            </a:extLst>
+          </p:cNvPr>
+          <p:cNvSpPr>
+            <a:spLocks noGrp="1"/>
+          </p:cNvSpPr>
+          <p:nvPr>
+            <p:ph type="title"/>
+          </p:nvPr>
+        </p:nvSpPr>
+        <p:spPr/>
+        <p:txBody>
+          <a:bodyPr/>
+          <a:lstStyle/>
+          <a:p>
+            <a:endParaRPr lang="en-US"/>
+          </a:p>
+        </p:txBody>
+      </p:sp>
+      <p:sp>
+        <p:nvSpPr>
+          <p:cNvPr id="3" name="Content Placeholder 2">
+            <a:extLst>
+              <a:ext uri="{FF2B5EF4-FFF2-40B4-BE49-F238E27FC236}">
+                <a16:creationId xmlns:a16="http://schemas.microsoft.com/office/drawing/2014/main" id="{045945D1-0F80-49E2-9F98-D9AEDEA09D96}"/>
+              </a:ext>
+            </a:extLst>
+          </p:cNvPr>
+          <p:cNvSpPr>
+            <a:spLocks noGrp="1"/>
+          </p:cNvSpPr>
+          <p:nvPr>
+            <p:ph idx="1"/>
+          </p:nvPr>
+        </p:nvSpPr>
+        <p:spPr/>
+        <p:txBody>
+          <a:bodyPr/>
+          <a:lstStyle/>
+          <a:p>
+            <a:endParaRPr lang="en-US"/>
+          </a:p>
+        </p:txBody>
+      </p:sp>
+      <p:pic>
+        <p:nvPicPr>
+          <p:cNvPr id="4" name="Picture 3">
+            <a:extLst>
+              <a:ext uri="{FF2B5EF4-FFF2-40B4-BE49-F238E27FC236}">
+                <a16:creationId xmlns:a16="http://schemas.microsoft.com/office/drawing/2014/main" id="{E2E3E065-6BEF-4152-9BEE-BAC5FAAD32A9}"/>
+              </a:ext>
+            </a:extLst>
+          </p:cNvPr>
+          <p:cNvPicPr>
+            <a:picLocks noChangeAspect="1"/>
+          </p:cNvPicPr>
+          <p:nvPr/>
+        </p:nvPicPr>
+        <p:blipFill>
+          <a:blip r:embed="rId2"/>
+          <a:stretch>
+            <a:fillRect/>
+          </a:stretch>
+        </p:blipFill>
+        <p:spPr>
+          <a:xfrm>
+            <a:off x="0" y="191828"/>
+            <a:ext cx="12192000" cy="6474343"/>
+          </a:xfrm>
+          <a:prstGeom prst="rect">
+            <a:avLst/>
+          </a:prstGeom>
+        </p:spPr>
+      </p:pic>
+    </p:spTree>
+    <p:extLst>
+      <p:ext uri="{BB962C8B-B14F-4D97-AF65-F5344CB8AC3E}">
+        <p14:creationId xmlns:p14="http://schemas.microsoft.com/office/powerpoint/2010/main" val="3889318265"/>
+      </p:ext>
+    </p:extLst>
+  </p:cSld>
+  <p:clrMapOvr>
+    <a:masterClrMapping/>
+  </p:clrMapOvr>
+</p:sld>
+</file>
+
+<file path=ppt/slides/slide14.xml><?xml version="1.0" encoding="utf-8"?>
+<p:sld xmlns:a="http://schemas.openxmlformats.org/drawingml/2006/main" xmlns:r="http://schemas.openxmlformats.org/officeDocument/2006/relationships" xmlns:p="http://schemas.openxmlformats.org/presentationml/2006/main">
+  <p:cSld>
+    <p:spTree>
+      <p:nvGrpSpPr>
+        <p:cNvPr id="1" name=""/>
+        <p:cNvGrpSpPr/>
+        <p:nvPr/>
+      </p:nvGrpSpPr>
+      <p:grpSpPr>
+        <a:xfrm>
+          <a:off x="0" y="0"/>
+          <a:ext cx="0" cy="0"/>
+          <a:chOff x="0" y="0"/>
+          <a:chExt cx="0" cy="0"/>
+        </a:xfrm>
+      </p:grpSpPr>
+      <p:sp>
+        <p:nvSpPr>
+          <p:cNvPr id="2" name="Title 1">
+            <a:extLst>
+              <a:ext uri="{FF2B5EF4-FFF2-40B4-BE49-F238E27FC236}">
+                <a16:creationId xmlns:a16="http://schemas.microsoft.com/office/drawing/2014/main" id="{7AF6759F-2A91-4C8A-ABC9-AE4580EA2AC0}"/>
+              </a:ext>
+            </a:extLst>
+          </p:cNvPr>
+          <p:cNvSpPr>
+            <a:spLocks noGrp="1"/>
+          </p:cNvSpPr>
+          <p:nvPr>
+            <p:ph type="title"/>
+          </p:nvPr>
+        </p:nvSpPr>
+        <p:spPr>
+          <a:xfrm>
+            <a:off x="838200" y="30481"/>
+            <a:ext cx="10515600" cy="1389016"/>
+          </a:xfrm>
+        </p:spPr>
+        <p:txBody>
+          <a:bodyPr/>
+          <a:lstStyle/>
+          <a:p>
+            <a:r>
+              <a:rPr lang="en-US" dirty="0"/>
+              <a:t>Example Usage:</a:t>
+            </a:r>
+          </a:p>
+        </p:txBody>
+      </p:sp>
+      <p:sp>
+        <p:nvSpPr>
+          <p:cNvPr id="3" name="Content Placeholder 2">
+            <a:extLst>
+              <a:ext uri="{FF2B5EF4-FFF2-40B4-BE49-F238E27FC236}">
+                <a16:creationId xmlns:a16="http://schemas.microsoft.com/office/drawing/2014/main" id="{F858D524-6A0C-4802-A2E8-09B12812605E}"/>
+              </a:ext>
+            </a:extLst>
+          </p:cNvPr>
+          <p:cNvSpPr>
+            <a:spLocks noGrp="1"/>
+          </p:cNvSpPr>
+          <p:nvPr>
+            <p:ph idx="1"/>
+          </p:nvPr>
+        </p:nvSpPr>
+        <p:spPr/>
+        <p:txBody>
+          <a:bodyPr/>
+          <a:lstStyle/>
+          <a:p>
+            <a:endParaRPr lang="en-US"/>
+          </a:p>
+        </p:txBody>
+      </p:sp>
+      <p:pic>
+        <p:nvPicPr>
+          <p:cNvPr id="5" name="Picture 4">
+            <a:extLst>
+              <a:ext uri="{FF2B5EF4-FFF2-40B4-BE49-F238E27FC236}">
+                <a16:creationId xmlns:a16="http://schemas.microsoft.com/office/drawing/2014/main" id="{6D01EAC3-F00A-4294-8180-D0E8DEAC8B5B}"/>
+              </a:ext>
+            </a:extLst>
+          </p:cNvPr>
+          <p:cNvPicPr>
+            <a:picLocks noChangeAspect="1"/>
+          </p:cNvPicPr>
+          <p:nvPr/>
+        </p:nvPicPr>
+        <p:blipFill>
+          <a:blip r:embed="rId2"/>
+          <a:stretch>
+            <a:fillRect/>
+          </a:stretch>
+        </p:blipFill>
+        <p:spPr>
+          <a:xfrm>
+            <a:off x="418010" y="1056066"/>
+            <a:ext cx="11599817" cy="5801934"/>
+          </a:xfrm>
+          <a:prstGeom prst="rect">
+            <a:avLst/>
+          </a:prstGeom>
+        </p:spPr>
+      </p:pic>
+    </p:spTree>
+    <p:extLst>
+      <p:ext uri="{BB962C8B-B14F-4D97-AF65-F5344CB8AC3E}">
+        <p14:creationId xmlns:p14="http://schemas.microsoft.com/office/powerpoint/2010/main" val="3410879851"/>
+      </p:ext>
+    </p:extLst>
+  </p:cSld>
+  <p:clrMapOvr>
+    <a:masterClrMapping/>
+  </p:clrMapOvr>
+</p:sld>
+</file>
+
+<file path=ppt/slides/slide15.xml><?xml version="1.0" encoding="utf-8"?>
+<p:sld xmlns:a="http://schemas.openxmlformats.org/drawingml/2006/main" xmlns:r="http://schemas.openxmlformats.org/officeDocument/2006/relationships" xmlns:p="http://schemas.openxmlformats.org/presentationml/2006/main">
+  <p:cSld>
+    <p:spTree>
+      <p:nvGrpSpPr>
+        <p:cNvPr id="1" name=""/>
+        <p:cNvGrpSpPr/>
+        <p:nvPr/>
+      </p:nvGrpSpPr>
+      <p:grpSpPr>
+        <a:xfrm>
+          <a:off x="0" y="0"/>
+          <a:ext cx="0" cy="0"/>
+          <a:chOff x="0" y="0"/>
+          <a:chExt cx="0" cy="0"/>
+        </a:xfrm>
+      </p:grpSpPr>
+      <p:sp>
+        <p:nvSpPr>
+          <p:cNvPr id="2" name="Title 1">
+            <a:extLst>
+              <a:ext uri="{FF2B5EF4-FFF2-40B4-BE49-F238E27FC236}">
+                <a16:creationId xmlns:a16="http://schemas.microsoft.com/office/drawing/2014/main" id="{B9F7A2DC-A472-4C73-85F4-8073EB4BBEA0}"/>
+              </a:ext>
+            </a:extLst>
+          </p:cNvPr>
+          <p:cNvSpPr>
+            <a:spLocks noGrp="1"/>
+          </p:cNvSpPr>
+          <p:nvPr>
+            <p:ph type="title"/>
+          </p:nvPr>
+        </p:nvSpPr>
+        <p:spPr/>
+        <p:txBody>
+          <a:bodyPr/>
+          <a:lstStyle/>
+          <a:p>
+            <a:pPr algn="ctr"/>
+            <a:r>
+              <a:rPr lang="en-US" dirty="0"/>
+              <a:t>The End</a:t>
+            </a:r>
+          </a:p>
+        </p:txBody>
+      </p:sp>
+    </p:spTree>
+    <p:extLst>
+      <p:ext uri="{BB962C8B-B14F-4D97-AF65-F5344CB8AC3E}">
+        <p14:creationId xmlns:p14="http://schemas.microsoft.com/office/powerpoint/2010/main" val="3156494539"/>
+      </p:ext>
+    </p:extLst>
+  </p:cSld>
+  <p:clrMapOvr>
+    <a:masterClrMapping/>
+  </p:clrMapOvr>
+</p:sld>
+</file>
+
 <file path=ppt/slides/slide2.xml><?xml version="1.0" encoding="utf-8"?>
 <p:sld xmlns:a="http://schemas.openxmlformats.org/drawingml/2006/main" xmlns:r="http://schemas.openxmlformats.org/officeDocument/2006/relationships" xmlns:p="http://schemas.openxmlformats.org/presentationml/2006/main">
   <p:cSld>
@@ -3070,99 +3996,87 @@
           <a:lstStyle/>
           <a:p>
             <a:r>
-              <a:rPr lang="en-US" sz="1400" dirty="0">
-                <a:hlinkClick r:id="rId2"/>
-              </a:rPr>
-              <a:t>http://www3.cde.ca.gov/starresearchfiles/2013/p3/ca2013_1_csv_v3.zip</a:t>
-            </a:r>
-            <a:r>
-              <a:rPr lang="en-US" sz="1400" dirty="0"/>
-              <a:t> 344063 csv - CA STAR testing results from </a:t>
-            </a:r>
-            <a:r>
-              <a:rPr lang="en-US" sz="1400" dirty="0">
-                <a:hlinkClick r:id="rId3"/>
-              </a:rPr>
-              <a:t>https://star.cde.ca.gov/star2013/ResearchFileList.aspx?ps=true&amp;lstTestYear=2013&amp;lstTestType=C&amp;lstCounty=43&amp;lstDistrict=&amp;lstSchool=&amp;lstGroup=1&amp;lstSubGroup=1&amp;lstCntyNam=Santa%20Clara&amp;lstDistNam=(none%20selected)</a:t>
-            </a:r>
-            <a:r>
-              <a:rPr lang="en-US" sz="1400" dirty="0"/>
-              <a:t> </a:t>
-            </a:r>
-          </a:p>
-          <a:p>
-            <a:endParaRPr lang="en-US" sz="1400" dirty="0"/>
-          </a:p>
-          <a:p>
-            <a:r>
-              <a:rPr lang="en-US" sz="1400" dirty="0">
-                <a:hlinkClick r:id="rId4"/>
-              </a:rPr>
-              <a:t>ftp://ftp.cde.ca.gov/demo/cbeds/cbedsora12a.txt</a:t>
-            </a:r>
-            <a:r>
-              <a:rPr lang="en-US" sz="1400" dirty="0"/>
-              <a:t> 45157 (converted to csv) - staff demographics</a:t>
-            </a:r>
-          </a:p>
-          <a:p>
-            <a:endParaRPr lang="en-US" sz="1400" dirty="0"/>
-          </a:p>
-          <a:p>
-            <a:r>
-              <a:rPr lang="en-US" sz="1400" dirty="0">
-                <a:hlinkClick r:id="rId5"/>
-              </a:rPr>
-              <a:t>https://dq.cde.ca.gov/dataquest/content.asp</a:t>
-            </a:r>
-            <a:r>
-              <a:rPr lang="en-US" sz="1400" dirty="0"/>
-              <a:t> 127113 - enrollment demographics</a:t>
-            </a:r>
-          </a:p>
-          <a:p>
-            <a:endParaRPr lang="en-US" sz="1400" dirty="0"/>
-          </a:p>
-          <a:p>
-            <a:r>
-              <a:rPr lang="en-US" sz="1400" dirty="0">
-                <a:hlinkClick r:id="rId6"/>
-              </a:rPr>
-              <a:t>https://www.cde.ca.gov/ds/si/ds/pubschls.asp</a:t>
-            </a:r>
-            <a:r>
-              <a:rPr lang="en-US" sz="1400" dirty="0"/>
-              <a:t> 17997 - public school information</a:t>
-            </a:r>
-          </a:p>
-          <a:p>
-            <a:endParaRPr lang="en-US" sz="1400" dirty="0"/>
-          </a:p>
-          <a:p>
-            <a:r>
-              <a:rPr lang="en-US" sz="1400" dirty="0">
-                <a:hlinkClick r:id="rId7"/>
-              </a:rPr>
-              <a:t>http://www3.cde.ca.gov/researchfiles/api/api13gtx.zip</a:t>
-            </a:r>
-            <a:r>
-              <a:rPr lang="en-US" sz="1400" dirty="0"/>
-              <a:t> 10946 - Academic Performance Index (API</a:t>
-            </a:r>
-            <a:r>
-              <a:rPr lang="en-US" sz="1400"/>
-              <a:t>) from </a:t>
-            </a:r>
-            <a:r>
-              <a:rPr lang="en-US" sz="1400">
-                <a:hlinkClick r:id="rId8"/>
-              </a:rPr>
-              <a:t>https://www.cde.ca.gov/ta/ac/ap/apidatafiles.asp</a:t>
-            </a:r>
-            <a:r>
-              <a:rPr lang="en-US" sz="1400"/>
-              <a:t> </a:t>
-            </a:r>
+              <a:rPr lang="en-US" sz="2000" dirty="0"/>
+              <a:t>2012-2013 Academic Year data from California K-12 charter and public schools, on the following topics</a:t>
+            </a:r>
+          </a:p>
+          <a:p>
+            <a:pPr lvl="1"/>
+            <a:r>
+              <a:rPr lang="en-US" sz="1600" dirty="0"/>
+              <a:t>Academic Performance</a:t>
+            </a:r>
+          </a:p>
+          <a:p>
+            <a:pPr lvl="1"/>
+            <a:r>
+              <a:rPr lang="en-US" sz="1600" dirty="0"/>
+              <a:t>Student/Staff Demographics</a:t>
+            </a:r>
+          </a:p>
+          <a:p>
+            <a:pPr lvl="1"/>
+            <a:r>
+              <a:rPr lang="en-US" sz="1600" dirty="0"/>
+              <a:t>Parent/Teacher Education Levels</a:t>
+            </a:r>
+          </a:p>
+          <a:p>
+            <a:pPr lvl="1"/>
+            <a:r>
+              <a:rPr lang="en-US" sz="1600" dirty="0"/>
+              <a:t>General School Information (location, </a:t>
+            </a:r>
+          </a:p>
+          <a:p>
+            <a:endParaRPr lang="en-US" sz="2000" b="1" dirty="0"/>
+          </a:p>
+          <a:p>
+            <a:r>
+              <a:rPr lang="en-US" sz="2000" b="1" dirty="0"/>
+              <a:t>Original plan: </a:t>
+            </a:r>
+            <a:r>
+              <a:rPr lang="en-US" sz="2000" dirty="0"/>
+              <a:t>Use greatschools.org API to query for various datapoints on CA schools</a:t>
+            </a:r>
+          </a:p>
+          <a:p>
+            <a:pPr lvl="1"/>
+            <a:r>
+              <a:rPr lang="en-US" sz="1200" dirty="0"/>
+              <a:t>Issue: unable to get API key in time</a:t>
+            </a:r>
+          </a:p>
+          <a:p>
+            <a:pPr marL="457200" lvl="1" indent="0">
+              <a:buNone/>
+            </a:pPr>
+            <a:endParaRPr lang="en-US" sz="1200" dirty="0"/>
+          </a:p>
+          <a:p>
+            <a:pPr marL="457200" lvl="1" indent="0">
+              <a:buNone/>
+            </a:pPr>
+            <a:endParaRPr lang="en-US" sz="1200" dirty="0"/>
+          </a:p>
+          <a:p>
+            <a:r>
+              <a:rPr lang="en-US" sz="2000" b="1" dirty="0"/>
+              <a:t>New and improved plan: </a:t>
+            </a:r>
+            <a:r>
+              <a:rPr lang="en-US" sz="2000" dirty="0"/>
+              <a:t>Download multiple datasets from CA government data portals, and correlate the various datapoints to build one large dataset to analyze.</a:t>
+            </a:r>
+          </a:p>
+          <a:p>
+            <a:endParaRPr lang="en-US" sz="2000" dirty="0"/>
+          </a:p>
+          <a:p>
+            <a:endParaRPr lang="en-US" sz="2000" dirty="0"/>
+          </a:p>
+          <a:p>
             <a:endParaRPr lang="en-US" sz="1400" dirty="0"/>
           </a:p>
         </p:txBody>
@@ -3212,9 +4126,10 @@
           <a:bodyPr/>
           <a:lstStyle/>
           <a:p>
+            <a:pPr algn="ctr"/>
             <a:r>
               <a:rPr lang="en-US" dirty="0"/>
-              <a:t>Hypothesis / planned findings? How to word this?</a:t>
+              <a:t>Data Sources</a:t>
             </a:r>
           </a:p>
         </p:txBody>
@@ -3231,17 +4146,127 @@
         </p:nvSpPr>
         <p:spPr/>
         <p:txBody>
-          <a:bodyPr/>
-          <a:lstStyle/>
-          <a:p>
-            <a:endParaRPr lang="en-US"/>
+          <a:bodyPr>
+            <a:normAutofit/>
+          </a:bodyPr>
+          <a:lstStyle/>
+          <a:p>
+            <a:r>
+              <a:rPr lang="en-US" sz="1400" dirty="0">
+                <a:hlinkClick r:id="rId2"/>
+              </a:rPr>
+              <a:t>http://www3.cde.ca.gov/starresearchfiles/2013/p3/ca2013_1_csv_v3.zip</a:t>
+            </a:r>
+            <a:r>
+              <a:rPr lang="en-US" sz="1400" dirty="0"/>
+              <a:t> 344063 records - CA STAR testing results</a:t>
+            </a:r>
+          </a:p>
+          <a:p>
+            <a:pPr lvl="1"/>
+            <a:r>
+              <a:rPr lang="en-US" sz="1000" dirty="0">
+                <a:hlinkClick r:id="rId3"/>
+              </a:rPr>
+              <a:t>https://star.cde.ca.gov/star2013/ResearchFileList.aspx?ps=true&amp;lstTestYear=2013&amp;lstTestType=C&amp;lstCounty=43&amp;lstDistrict=&amp;lstSchool=&amp;lstGroup=1&amp;lstSubGroup=1&amp;lstCntyNam=Santa%20Clara&amp;lstDistNam=(none%20selected)</a:t>
+            </a:r>
+            <a:r>
+              <a:rPr lang="en-US" sz="1000" dirty="0"/>
+              <a:t> </a:t>
+            </a:r>
+          </a:p>
+          <a:p>
+            <a:endParaRPr lang="en-US" sz="1400" dirty="0"/>
+          </a:p>
+          <a:p>
+            <a:r>
+              <a:rPr lang="en-US" sz="1400" dirty="0">
+                <a:hlinkClick r:id="rId4"/>
+              </a:rPr>
+              <a:t>ftp://ftp.cde.ca.gov/demo/cbeds/cbedsora12a.txt</a:t>
+            </a:r>
+            <a:r>
+              <a:rPr lang="en-US" sz="1400" dirty="0"/>
+              <a:t> 45157 records (converted to csv) - staff demographics</a:t>
+            </a:r>
+          </a:p>
+          <a:p>
+            <a:endParaRPr lang="en-US" sz="1400" dirty="0"/>
+          </a:p>
+          <a:p>
+            <a:r>
+              <a:rPr lang="en-US" sz="1400" dirty="0">
+                <a:hlinkClick r:id="rId5"/>
+              </a:rPr>
+              <a:t>https://dq.cde.ca.gov/dataquest/content.asp</a:t>
+            </a:r>
+            <a:r>
+              <a:rPr lang="en-US" sz="1400" dirty="0"/>
+              <a:t> 127113 records - enrollment demographics</a:t>
+            </a:r>
+          </a:p>
+          <a:p>
+            <a:endParaRPr lang="en-US" sz="1400" dirty="0"/>
+          </a:p>
+          <a:p>
+            <a:r>
+              <a:rPr lang="en-US" sz="1400" dirty="0">
+                <a:hlinkClick r:id="rId6"/>
+              </a:rPr>
+              <a:t>https://www.cde.ca.gov/ds/si/ds/pubschls.asp</a:t>
+            </a:r>
+            <a:r>
+              <a:rPr lang="en-US" sz="1400" dirty="0"/>
+              <a:t> 17997 records - public school information</a:t>
+            </a:r>
+          </a:p>
+          <a:p>
+            <a:endParaRPr lang="en-US" sz="1400" dirty="0"/>
+          </a:p>
+          <a:p>
+            <a:r>
+              <a:rPr lang="en-US" sz="1400" dirty="0">
+                <a:hlinkClick r:id="rId7"/>
+              </a:rPr>
+              <a:t>http://www3.cde.ca.gov/researchfiles/api/api13gtx.zip</a:t>
+            </a:r>
+            <a:r>
+              <a:rPr lang="en-US" sz="1400" dirty="0"/>
+              <a:t> 10946 records - Academic Performance Index (API) </a:t>
+            </a:r>
+          </a:p>
+          <a:p>
+            <a:pPr lvl="1"/>
+            <a:r>
+              <a:rPr lang="en-US" sz="1000" dirty="0"/>
+              <a:t> </a:t>
+            </a:r>
+            <a:r>
+              <a:rPr lang="en-US" sz="1000" dirty="0">
+                <a:hlinkClick r:id="rId8"/>
+              </a:rPr>
+              <a:t>https://www.cde.ca.gov/ta/ac/ap/apidatafiles.asp</a:t>
+            </a:r>
+            <a:r>
+              <a:rPr lang="en-US" sz="1000" dirty="0"/>
+              <a:t> </a:t>
+            </a:r>
+          </a:p>
+          <a:p>
+            <a:endParaRPr lang="en-US" sz="1400" dirty="0"/>
+          </a:p>
+          <a:p>
+            <a:r>
+              <a:rPr lang="en-US" sz="1400" dirty="0"/>
+              <a:t>Total Records: 545,276</a:t>
+            </a:r>
           </a:p>
         </p:txBody>
       </p:sp>
     </p:spTree>
     <p:extLst>
       <p:ext uri="{BB962C8B-B14F-4D97-AF65-F5344CB8AC3E}">
-        <p14:creationId xmlns:p14="http://schemas.microsoft.com/office/powerpoint/2010/main" val="261092351"/>
+        <p14:creationId xmlns:p14="http://schemas.microsoft.com/office/powerpoint/2010/main" val="1407959911"/>
       </p:ext>
     </p:extLst>
   </p:cSld>
@@ -3283,9 +4308,10 @@
           <a:bodyPr/>
           <a:lstStyle/>
           <a:p>
+            <a:pPr algn="ctr"/>
             <a:r>
               <a:rPr lang="en-US" dirty="0"/>
-              <a:t>Explain tools, algorithms, difficulties</a:t>
+              <a:t>Hypothesis</a:t>
             </a:r>
           </a:p>
         </p:txBody>
@@ -3305,14 +4331,35 @@
           <a:bodyPr/>
           <a:lstStyle/>
           <a:p>
+            <a:r>
+              <a:rPr lang="en-US" dirty="0"/>
+              <a:t>Increased parent education levels would correlate with a higher student performance index</a:t>
+            </a:r>
+          </a:p>
+          <a:p>
             <a:endParaRPr lang="en-US" dirty="0"/>
+          </a:p>
+          <a:p>
+            <a:r>
+              <a:rPr lang="en-US" dirty="0"/>
+              <a:t>Increased percentage of emergency-credential holding teachers would correlate with a lower student performance index</a:t>
+            </a:r>
+          </a:p>
+          <a:p>
+            <a:endParaRPr lang="en-US" dirty="0"/>
+          </a:p>
+          <a:p>
+            <a:r>
+              <a:rPr lang="en-US" dirty="0"/>
+              <a:t>Student performance would be greater in highly-populated regions compared to rural regions</a:t>
+            </a:r>
           </a:p>
         </p:txBody>
       </p:sp>
     </p:spTree>
     <p:extLst>
       <p:ext uri="{BB962C8B-B14F-4D97-AF65-F5344CB8AC3E}">
-        <p14:creationId xmlns:p14="http://schemas.microsoft.com/office/powerpoint/2010/main" val="1406637939"/>
+        <p14:creationId xmlns:p14="http://schemas.microsoft.com/office/powerpoint/2010/main" val="261092351"/>
       </p:ext>
     </p:extLst>
   </p:cSld>
@@ -3356,7 +4403,7 @@
           <a:p>
             <a:r>
               <a:rPr lang="en-US" dirty="0"/>
-              <a:t>Compare my work with related works</a:t>
+              <a:t>Tools, Algorithms, Difficulties</a:t>
             </a:r>
           </a:p>
         </p:txBody>
@@ -3373,17 +4420,112 @@
         </p:nvSpPr>
         <p:spPr/>
         <p:txBody>
-          <a:bodyPr/>
-          <a:lstStyle/>
-          <a:p>
-            <a:endParaRPr lang="en-US"/>
+          <a:bodyPr>
+            <a:normAutofit/>
+          </a:bodyPr>
+          <a:lstStyle/>
+          <a:p>
+            <a:r>
+              <a:rPr lang="en-US" sz="2400" dirty="0"/>
+              <a:t>Tools used:</a:t>
+            </a:r>
+          </a:p>
+          <a:p>
+            <a:pPr lvl="1"/>
+            <a:r>
+              <a:rPr lang="en-US" sz="2000" dirty="0"/>
+              <a:t>Perl – </a:t>
+            </a:r>
+            <a:r>
+              <a:rPr lang="en-US" sz="1400" dirty="0"/>
+              <a:t>Practical Extraction and Reporting Language</a:t>
+            </a:r>
+          </a:p>
+          <a:p>
+            <a:pPr lvl="1"/>
+            <a:r>
+              <a:rPr lang="en-US" sz="2000" dirty="0" err="1"/>
+              <a:t>gnuplot</a:t>
+            </a:r>
+            <a:r>
+              <a:rPr lang="en-US" sz="2000" dirty="0"/>
+              <a:t> – </a:t>
+            </a:r>
+            <a:r>
+              <a:rPr lang="en-US" sz="1400" dirty="0"/>
+              <a:t>An interactive plotting program</a:t>
+            </a:r>
+          </a:p>
+          <a:p>
+            <a:pPr lvl="1"/>
+            <a:endParaRPr lang="en-US" sz="1400" dirty="0"/>
+          </a:p>
+          <a:p>
+            <a:pPr lvl="1"/>
+            <a:endParaRPr lang="en-US" sz="1400" dirty="0"/>
+          </a:p>
+          <a:p>
+            <a:r>
+              <a:rPr lang="en-US" sz="1800" dirty="0"/>
+              <a:t>Difficulties:</a:t>
+            </a:r>
+          </a:p>
+          <a:p>
+            <a:pPr lvl="1"/>
+            <a:r>
+              <a:rPr lang="en-US" sz="1400" dirty="0"/>
+              <a:t>Bad data: Missing values or unexpected format of data (required data filtering and validations using regular expressions)</a:t>
+            </a:r>
+          </a:p>
+          <a:p>
+            <a:pPr lvl="1"/>
+            <a:r>
+              <a:rPr lang="en-US" sz="1400" dirty="0"/>
+              <a:t>Analysis method: It can be hard to figure out exactly which datapoints to compare, and how to visualize the data</a:t>
+            </a:r>
+          </a:p>
+          <a:p>
+            <a:pPr lvl="1"/>
+            <a:endParaRPr lang="en-US" sz="1400" dirty="0"/>
+          </a:p>
+          <a:p>
+            <a:pPr lvl="1"/>
+            <a:endParaRPr lang="en-US" sz="1400" dirty="0"/>
+          </a:p>
+          <a:p>
+            <a:r>
+              <a:rPr lang="en-US" sz="1800" dirty="0"/>
+              <a:t>Benefits:</a:t>
+            </a:r>
+          </a:p>
+          <a:p>
+            <a:pPr lvl="1"/>
+            <a:r>
+              <a:rPr lang="en-US" sz="1400" dirty="0"/>
+              <a:t>Simplicity: As per Professor Chen’s suggestion early in the semester, use only what is necessary for the task</a:t>
+            </a:r>
+          </a:p>
+          <a:p>
+            <a:pPr lvl="1"/>
+            <a:r>
+              <a:rPr lang="en-US" sz="1400" dirty="0"/>
+              <a:t>Availability: Perl and </a:t>
+            </a:r>
+            <a:r>
+              <a:rPr lang="en-US" sz="1400" dirty="0" err="1"/>
+              <a:t>gnuplot</a:t>
+            </a:r>
+            <a:r>
+              <a:rPr lang="en-US" sz="1400" dirty="0"/>
+              <a:t> are likely already installed on your Linux machine</a:t>
+            </a:r>
           </a:p>
         </p:txBody>
       </p:sp>
     </p:spTree>
     <p:extLst>
       <p:ext uri="{BB962C8B-B14F-4D97-AF65-F5344CB8AC3E}">
-        <p14:creationId xmlns:p14="http://schemas.microsoft.com/office/powerpoint/2010/main" val="3656525710"/>
+        <p14:creationId xmlns:p14="http://schemas.microsoft.com/office/powerpoint/2010/main" val="1406637939"/>
       </p:ext>
     </p:extLst>
   </p:cSld>
@@ -3412,6 +4554,317 @@
       </p:grpSpPr>
       <p:sp>
         <p:nvSpPr>
+          <p:cNvPr id="2" name="Title 1">
+            <a:extLst>
+              <a:ext uri="{FF2B5EF4-FFF2-40B4-BE49-F238E27FC236}">
+                <a16:creationId xmlns:a16="http://schemas.microsoft.com/office/drawing/2014/main" id="{78689A57-C56E-4470-A13F-3513A95489C7}"/>
+              </a:ext>
+            </a:extLst>
+          </p:cNvPr>
+          <p:cNvSpPr>
+            <a:spLocks noGrp="1"/>
+          </p:cNvSpPr>
+          <p:nvPr>
+            <p:ph type="title"/>
+          </p:nvPr>
+        </p:nvSpPr>
+        <p:spPr/>
+        <p:txBody>
+          <a:bodyPr/>
+          <a:lstStyle/>
+          <a:p>
+            <a:r>
+              <a:rPr lang="en-US" dirty="0"/>
+              <a:t>Tools, Algorithms, Difficulties cont.</a:t>
+            </a:r>
+          </a:p>
+        </p:txBody>
+      </p:sp>
+      <p:sp>
+        <p:nvSpPr>
+          <p:cNvPr id="3" name="Content Placeholder 2">
+            <a:extLst>
+              <a:ext uri="{FF2B5EF4-FFF2-40B4-BE49-F238E27FC236}">
+                <a16:creationId xmlns:a16="http://schemas.microsoft.com/office/drawing/2014/main" id="{1C90A863-6D2C-42E4-93B3-D5A2381765DA}"/>
+              </a:ext>
+            </a:extLst>
+          </p:cNvPr>
+          <p:cNvSpPr>
+            <a:spLocks noGrp="1"/>
+          </p:cNvSpPr>
+          <p:nvPr>
+            <p:ph idx="1"/>
+          </p:nvPr>
+        </p:nvSpPr>
+        <p:spPr/>
+        <p:txBody>
+          <a:bodyPr/>
+          <a:lstStyle/>
+          <a:p>
+            <a:r>
+              <a:rPr lang="en-US" dirty="0"/>
+              <a:t>Implementation:</a:t>
+            </a:r>
+          </a:p>
+          <a:p>
+            <a:pPr lvl="1"/>
+            <a:r>
+              <a:rPr lang="en-US" sz="1800" dirty="0"/>
+              <a:t>Data is read into memory (a Perl hash) from 5 text files, totaling ~550K lines</a:t>
+            </a:r>
+          </a:p>
+          <a:p>
+            <a:pPr marL="457200" lvl="1" indent="0">
+              <a:buNone/>
+            </a:pPr>
+            <a:endParaRPr lang="en-US" sz="1800" dirty="0"/>
+          </a:p>
+          <a:p>
+            <a:pPr lvl="1"/>
+            <a:r>
+              <a:rPr lang="en-US" sz="1800" dirty="0"/>
+              <a:t>A data cache is kept in the working directory (to speed up future runs) in the form of a Perl Storable</a:t>
+            </a:r>
+          </a:p>
+          <a:p>
+            <a:pPr marL="457200" lvl="1" indent="0">
+              <a:buNone/>
+            </a:pPr>
+            <a:endParaRPr lang="en-US" sz="1800" dirty="0"/>
+          </a:p>
+          <a:p>
+            <a:pPr lvl="1"/>
+            <a:r>
+              <a:rPr lang="en-US" sz="1800" dirty="0"/>
+              <a:t>The program has functionality to print a full dump of the combined data</a:t>
+            </a:r>
+          </a:p>
+          <a:p>
+            <a:pPr marL="457200" lvl="1" indent="0">
+              <a:buNone/>
+            </a:pPr>
+            <a:endParaRPr lang="en-US" sz="1800" dirty="0"/>
+          </a:p>
+          <a:p>
+            <a:pPr lvl="1"/>
+            <a:r>
+              <a:rPr lang="en-US" sz="1800" dirty="0"/>
+              <a:t>The primary function is to plot user-specified data fields in user-specified formats</a:t>
+            </a:r>
+          </a:p>
+          <a:p>
+            <a:pPr lvl="1"/>
+            <a:endParaRPr lang="en-US" sz="1800" dirty="0"/>
+          </a:p>
+          <a:p>
+            <a:pPr lvl="1"/>
+            <a:r>
+              <a:rPr lang="en-US" sz="1800" dirty="0"/>
+              <a:t>Data is filtered and validated using regular expressions, to help ensure integrity and remove bad values</a:t>
+            </a:r>
+          </a:p>
+          <a:p>
+            <a:pPr lvl="1"/>
+            <a:endParaRPr lang="en-US" sz="1800" dirty="0"/>
+          </a:p>
+          <a:p>
+            <a:pPr lvl="1"/>
+            <a:r>
+              <a:rPr lang="en-US" sz="1800" dirty="0"/>
+              <a:t>The tool is built in a modular fashion, so new fields and data sources can be easily added</a:t>
+            </a:r>
+          </a:p>
+        </p:txBody>
+      </p:sp>
+    </p:spTree>
+    <p:extLst>
+      <p:ext uri="{BB962C8B-B14F-4D97-AF65-F5344CB8AC3E}">
+        <p14:creationId xmlns:p14="http://schemas.microsoft.com/office/powerpoint/2010/main" val="1055830826"/>
+      </p:ext>
+    </p:extLst>
+  </p:cSld>
+  <p:clrMapOvr>
+    <a:masterClrMapping/>
+  </p:clrMapOvr>
+</p:sld>
+</file>
+
+<file path=ppt/slides/slide7.xml><?xml version="1.0" encoding="utf-8"?>
+<p:sld xmlns:a="http://schemas.openxmlformats.org/drawingml/2006/main" xmlns:r="http://schemas.openxmlformats.org/officeDocument/2006/relationships" xmlns:p="http://schemas.openxmlformats.org/presentationml/2006/main">
+  <p:cSld>
+    <p:spTree>
+      <p:nvGrpSpPr>
+        <p:cNvPr id="1" name=""/>
+        <p:cNvGrpSpPr/>
+        <p:nvPr/>
+      </p:nvGrpSpPr>
+      <p:grpSpPr>
+        <a:xfrm>
+          <a:off x="0" y="0"/>
+          <a:ext cx="0" cy="0"/>
+          <a:chOff x="0" y="0"/>
+          <a:chExt cx="0" cy="0"/>
+        </a:xfrm>
+      </p:grpSpPr>
+      <p:sp>
+        <p:nvSpPr>
+          <p:cNvPr id="2" name="Title 1">
+            <a:extLst>
+              <a:ext uri="{FF2B5EF4-FFF2-40B4-BE49-F238E27FC236}">
+                <a16:creationId xmlns:a16="http://schemas.microsoft.com/office/drawing/2014/main" id="{22E79C78-6BEE-4CF5-916D-CA07EAAFCD52}"/>
+              </a:ext>
+            </a:extLst>
+          </p:cNvPr>
+          <p:cNvSpPr>
+            <a:spLocks noGrp="1"/>
+          </p:cNvSpPr>
+          <p:nvPr>
+            <p:ph type="title"/>
+          </p:nvPr>
+        </p:nvSpPr>
+        <p:spPr/>
+        <p:txBody>
+          <a:bodyPr/>
+          <a:lstStyle/>
+          <a:p>
+            <a:pPr algn="ctr"/>
+            <a:r>
+              <a:rPr lang="en-US" b="1" dirty="0"/>
+              <a:t>API</a:t>
+            </a:r>
+          </a:p>
+        </p:txBody>
+      </p:sp>
+      <p:sp>
+        <p:nvSpPr>
+          <p:cNvPr id="3" name="Content Placeholder 2">
+            <a:extLst>
+              <a:ext uri="{FF2B5EF4-FFF2-40B4-BE49-F238E27FC236}">
+                <a16:creationId xmlns:a16="http://schemas.microsoft.com/office/drawing/2014/main" id="{DB2EBACC-512D-441C-8C26-9E4611DCA2F7}"/>
+              </a:ext>
+            </a:extLst>
+          </p:cNvPr>
+          <p:cNvSpPr>
+            <a:spLocks noGrp="1"/>
+          </p:cNvSpPr>
+          <p:nvPr>
+            <p:ph idx="1"/>
+          </p:nvPr>
+        </p:nvSpPr>
+        <p:spPr/>
+        <p:txBody>
+          <a:bodyPr/>
+          <a:lstStyle/>
+          <a:p>
+            <a:pPr marL="0" indent="0">
+              <a:buNone/>
+            </a:pPr>
+            <a:r>
+              <a:rPr lang="en-US" dirty="0"/>
+              <a:t>But not the API you’re thinking of…</a:t>
+            </a:r>
+          </a:p>
+          <a:p>
+            <a:endParaRPr lang="en-US" dirty="0"/>
+          </a:p>
+          <a:p>
+            <a:r>
+              <a:rPr lang="en-US" sz="2400" b="1" dirty="0"/>
+              <a:t>A</a:t>
+            </a:r>
+            <a:r>
+              <a:rPr lang="en-US" sz="2400" dirty="0"/>
+              <a:t>cademic </a:t>
+            </a:r>
+            <a:r>
+              <a:rPr lang="en-US" sz="2400" b="1" dirty="0"/>
+              <a:t>P</a:t>
+            </a:r>
+            <a:r>
+              <a:rPr lang="en-US" sz="2400" dirty="0"/>
+              <a:t>erformance </a:t>
+            </a:r>
+            <a:r>
+              <a:rPr lang="en-US" sz="2400" b="1" dirty="0"/>
+              <a:t>I</a:t>
+            </a:r>
+            <a:r>
+              <a:rPr lang="en-US" sz="2400" dirty="0"/>
+              <a:t>ndex : </a:t>
+            </a:r>
+            <a:r>
+              <a:rPr lang="en-US" sz="2000" dirty="0"/>
+              <a:t>The API is a single number, ranging from a low of 200 to a high of 1000, which reflects a school’s or a student group’s performance level, based on the results of statewide assessments. </a:t>
+            </a:r>
+          </a:p>
+          <a:p>
+            <a:pPr lvl="1"/>
+            <a:r>
+              <a:rPr lang="en-US" sz="1400" dirty="0"/>
+              <a:t>Source: </a:t>
+            </a:r>
+            <a:r>
+              <a:rPr lang="en-US" sz="1400" dirty="0">
+                <a:hlinkClick r:id="rId2"/>
+              </a:rPr>
+              <a:t>https://www.cde.ca.gov/ta/ac/ap/documents/apiexecsummary.pdf</a:t>
+            </a:r>
+            <a:r>
+              <a:rPr lang="en-US" sz="1400" dirty="0"/>
+              <a:t> </a:t>
+            </a:r>
+          </a:p>
+          <a:p>
+            <a:pPr lvl="1"/>
+            <a:endParaRPr lang="en-US" sz="1400" dirty="0"/>
+          </a:p>
+          <a:p>
+            <a:pPr lvl="1"/>
+            <a:endParaRPr lang="en-US" sz="1600" dirty="0"/>
+          </a:p>
+          <a:p>
+            <a:r>
+              <a:rPr lang="en-US" sz="2400" dirty="0"/>
+              <a:t>API scores were compared against various datapoints to attempt to discern any factors that may influence student academic performance.</a:t>
+            </a:r>
+          </a:p>
+          <a:p>
+            <a:endParaRPr lang="en-US" dirty="0"/>
+          </a:p>
+        </p:txBody>
+      </p:sp>
+    </p:spTree>
+    <p:extLst>
+      <p:ext uri="{BB962C8B-B14F-4D97-AF65-F5344CB8AC3E}">
+        <p14:creationId xmlns:p14="http://schemas.microsoft.com/office/powerpoint/2010/main" val="3211539804"/>
+      </p:ext>
+    </p:extLst>
+  </p:cSld>
+  <p:clrMapOvr>
+    <a:masterClrMapping/>
+  </p:clrMapOvr>
+</p:sld>
+</file>
+
+<file path=ppt/slides/slide8.xml><?xml version="1.0" encoding="utf-8"?>
+<p:sld xmlns:a="http://schemas.openxmlformats.org/drawingml/2006/main" xmlns:r="http://schemas.openxmlformats.org/officeDocument/2006/relationships" xmlns:p="http://schemas.openxmlformats.org/presentationml/2006/main">
+  <p:cSld>
+    <p:spTree>
+      <p:nvGrpSpPr>
+        <p:cNvPr id="1" name=""/>
+        <p:cNvGrpSpPr/>
+        <p:nvPr/>
+      </p:nvGrpSpPr>
+      <p:grpSpPr>
+        <a:xfrm>
+          <a:off x="0" y="0"/>
+          <a:ext cx="0" cy="0"/>
+          <a:chOff x="0" y="0"/>
+          <a:chExt cx="0" cy="0"/>
+        </a:xfrm>
+      </p:grpSpPr>
+      <p:sp>
+        <p:nvSpPr>
           <p:cNvPr id="2" name="Title 1"/>
           <p:cNvSpPr>
             <a:spLocks noGrp="1"/>
@@ -3420,34 +4873,21 @@
             <p:ph type="title"/>
           </p:nvPr>
         </p:nvSpPr>
-        <p:spPr/>
-        <p:txBody>
-          <a:bodyPr/>
-          <a:lstStyle/>
-          <a:p>
-            <a:r>
-              <a:rPr lang="en-US" dirty="0"/>
+        <p:spPr>
+          <a:xfrm>
+            <a:off x="838200" y="2766218"/>
+            <a:ext cx="10515600" cy="1325563"/>
+          </a:xfrm>
+        </p:spPr>
+        <p:txBody>
+          <a:bodyPr/>
+          <a:lstStyle/>
+          <a:p>
+            <a:pPr algn="ctr"/>
+            <a:r>
+              <a:rPr lang="en-US" b="1" dirty="0"/>
               <a:t>Results</a:t>
             </a:r>
-          </a:p>
-        </p:txBody>
-      </p:sp>
-      <p:sp>
-        <p:nvSpPr>
-          <p:cNvPr id="3" name="Content Placeholder 2"/>
-          <p:cNvSpPr>
-            <a:spLocks noGrp="1"/>
-          </p:cNvSpPr>
-          <p:nvPr>
-            <p:ph idx="1"/>
-          </p:nvPr>
-        </p:nvSpPr>
-        <p:spPr/>
-        <p:txBody>
-          <a:bodyPr/>
-          <a:lstStyle/>
-          <a:p>
-            <a:endParaRPr lang="en-US"/>
           </a:p>
         </p:txBody>
       </p:sp>
@@ -3455,6 +4895,168 @@
     <p:extLst>
       <p:ext uri="{BB962C8B-B14F-4D97-AF65-F5344CB8AC3E}">
         <p14:creationId xmlns:p14="http://schemas.microsoft.com/office/powerpoint/2010/main" val="3655553507"/>
+      </p:ext>
+    </p:extLst>
+  </p:cSld>
+  <p:clrMapOvr>
+    <a:masterClrMapping/>
+  </p:clrMapOvr>
+</p:sld>
+</file>
+
+<file path=ppt/slides/slide9.xml><?xml version="1.0" encoding="utf-8"?>
+<p:sld xmlns:a="http://schemas.openxmlformats.org/drawingml/2006/main" xmlns:r="http://schemas.openxmlformats.org/officeDocument/2006/relationships" xmlns:p="http://schemas.openxmlformats.org/presentationml/2006/main">
+  <p:cSld>
+    <p:spTree>
+      <p:nvGrpSpPr>
+        <p:cNvPr id="1" name=""/>
+        <p:cNvGrpSpPr/>
+        <p:nvPr/>
+      </p:nvGrpSpPr>
+      <p:grpSpPr>
+        <a:xfrm>
+          <a:off x="0" y="0"/>
+          <a:ext cx="0" cy="0"/>
+          <a:chOff x="0" y="0"/>
+          <a:chExt cx="0" cy="0"/>
+        </a:xfrm>
+      </p:grpSpPr>
+      <p:sp>
+        <p:nvSpPr>
+          <p:cNvPr id="2" name="Title 1">
+            <a:extLst>
+              <a:ext uri="{FF2B5EF4-FFF2-40B4-BE49-F238E27FC236}">
+                <a16:creationId xmlns:a16="http://schemas.microsoft.com/office/drawing/2014/main" id="{AD06B1BF-4BFE-480B-8C6A-1780927401BB}"/>
+              </a:ext>
+            </a:extLst>
+          </p:cNvPr>
+          <p:cNvSpPr>
+            <a:spLocks noGrp="1"/>
+          </p:cNvSpPr>
+          <p:nvPr>
+            <p:ph type="title"/>
+          </p:nvPr>
+        </p:nvSpPr>
+        <p:spPr/>
+        <p:txBody>
+          <a:bodyPr>
+            <a:normAutofit/>
+          </a:bodyPr>
+          <a:lstStyle/>
+          <a:p>
+            <a:pPr algn="ctr"/>
+            <a:r>
+              <a:rPr lang="en-US" sz="3800" dirty="0"/>
+              <a:t>API vs. Average Parent Education (years)</a:t>
+            </a:r>
+          </a:p>
+        </p:txBody>
+      </p:sp>
+      <p:pic>
+        <p:nvPicPr>
+          <p:cNvPr id="4" name="Content Placeholder 3">
+            <a:extLst>
+              <a:ext uri="{FF2B5EF4-FFF2-40B4-BE49-F238E27FC236}">
+                <a16:creationId xmlns:a16="http://schemas.microsoft.com/office/drawing/2014/main" id="{AA305B74-29F4-4CD6-A421-93047394608A}"/>
+              </a:ext>
+            </a:extLst>
+          </p:cNvPr>
+          <p:cNvPicPr>
+            <a:picLocks noGrp="1" noChangeAspect="1"/>
+          </p:cNvPicPr>
+          <p:nvPr>
+            <p:ph idx="1"/>
+          </p:nvPr>
+        </p:nvPicPr>
+        <p:blipFill>
+          <a:blip r:embed="rId2"/>
+          <a:stretch>
+            <a:fillRect/>
+          </a:stretch>
+        </p:blipFill>
+        <p:spPr>
+          <a:xfrm>
+            <a:off x="6096000" y="1641202"/>
+            <a:ext cx="5317012" cy="3291840"/>
+          </a:xfrm>
+          <a:prstGeom prst="rect">
+            <a:avLst/>
+          </a:prstGeom>
+        </p:spPr>
+      </p:pic>
+      <p:pic>
+        <p:nvPicPr>
+          <p:cNvPr id="5" name="Content Placeholder 3">
+            <a:extLst>
+              <a:ext uri="{FF2B5EF4-FFF2-40B4-BE49-F238E27FC236}">
+                <a16:creationId xmlns:a16="http://schemas.microsoft.com/office/drawing/2014/main" id="{658C8F7E-DBDE-4ECA-9669-9D0AB882D41B}"/>
+              </a:ext>
+            </a:extLst>
+          </p:cNvPr>
+          <p:cNvPicPr>
+            <a:picLocks noChangeAspect="1"/>
+          </p:cNvPicPr>
+          <p:nvPr/>
+        </p:nvPicPr>
+        <p:blipFill>
+          <a:blip r:embed="rId3"/>
+          <a:stretch>
+            <a:fillRect/>
+          </a:stretch>
+        </p:blipFill>
+        <p:spPr>
+          <a:xfrm>
+            <a:off x="288951" y="1641202"/>
+            <a:ext cx="4749252" cy="3367380"/>
+          </a:xfrm>
+          <a:prstGeom prst="rect">
+            <a:avLst/>
+          </a:prstGeom>
+        </p:spPr>
+      </p:pic>
+      <p:sp>
+        <p:nvSpPr>
+          <p:cNvPr id="6" name="TextBox 5">
+            <a:extLst>
+              <a:ext uri="{FF2B5EF4-FFF2-40B4-BE49-F238E27FC236}">
+                <a16:creationId xmlns:a16="http://schemas.microsoft.com/office/drawing/2014/main" id="{89245950-FD5C-4F49-8ABB-0EFA73125E83}"/>
+              </a:ext>
+            </a:extLst>
+          </p:cNvPr>
+          <p:cNvSpPr txBox="1"/>
+          <p:nvPr/>
+        </p:nvSpPr>
+        <p:spPr>
+          <a:xfrm>
+            <a:off x="1622146" y="5787958"/>
+            <a:ext cx="8947707" cy="369332"/>
+          </a:xfrm>
+          <a:prstGeom prst="rect">
+            <a:avLst/>
+          </a:prstGeom>
+          <a:noFill/>
+        </p:spPr>
+        <p:txBody>
+          <a:bodyPr wrap="none" rtlCol="0">
+            <a:spAutoFit/>
+          </a:bodyPr>
+          <a:lstStyle/>
+          <a:p>
+            <a:pPr marL="285750" indent="-285750" algn="ctr">
+              <a:buFont typeface="Arial" panose="020B0604020202020204" pitchFamily="34" charset="0"/>
+              <a:buChar char="•"/>
+            </a:pPr>
+            <a:r>
+              <a:rPr lang="en-US" dirty="0"/>
+              <a:t>Findings: Positive correlation between average parent education and student performance</a:t>
+            </a:r>
+          </a:p>
+        </p:txBody>
+      </p:sp>
+    </p:spTree>
+    <p:extLst>
+      <p:ext uri="{BB962C8B-B14F-4D97-AF65-F5344CB8AC3E}">
+        <p14:creationId xmlns:p14="http://schemas.microsoft.com/office/powerpoint/2010/main" val="3578616698"/>
       </p:ext>
     </p:extLst>
   </p:cSld>

--- a/Determining Influential Factors of Student Success.pptx
+++ b/Determining Influential Factors of Student Success.pptx
@@ -4258,8 +4258,13 @@
           <a:p>
             <a:r>
               <a:rPr lang="en-US" sz="1400" dirty="0"/>
-              <a:t>Total Records: 545,276</a:t>
-            </a:r>
+              <a:t>Total Records: 545,276, over </a:t>
+            </a:r>
+            <a:r>
+              <a:rPr lang="en-US" sz="1400"/>
+              <a:t>200 fields</a:t>
+            </a:r>
+            <a:endParaRPr lang="en-US" sz="1400" dirty="0"/>
           </a:p>
         </p:txBody>
       </p:sp>
